--- a/0912397_0912403_0912409_FacebookAPI_8.5/Slide/Facebook API.pptx
+++ b/0912397_0912403_0912409_FacebookAPI_8.5/Slide/Facebook API.pptx
@@ -4983,16 +4983,16 @@
     </dgm:pt>
   </dgm:ptLst>
   <dgm:cxnLst>
+    <dgm:cxn modelId="{78619C2C-7A65-462B-8E97-0671F72DC2B9}" type="presOf" srcId="{A69E0D51-9C4B-410E-AE93-83AC8ED2BA0E}" destId="{6A97AB2D-BCA0-48CC-8C0D-81F9BC6BDAEF}" srcOrd="0" destOrd="0" presId="urn:microsoft.com/office/officeart/2005/8/layout/list1"/>
+    <dgm:cxn modelId="{0C21136A-11D7-44FE-9037-610BE1A00F5B}" type="presOf" srcId="{CC3F0FFD-53D4-444D-A837-B3C783A3F0FE}" destId="{73F2B5C4-63D7-499F-A57A-FCFAA51B4D2E}" srcOrd="1" destOrd="0" presId="urn:microsoft.com/office/officeart/2005/8/layout/list1"/>
+    <dgm:cxn modelId="{B2EDB60C-946A-4E31-B296-BFE0777E34C2}" srcId="{A69E0D51-9C4B-410E-AE93-83AC8ED2BA0E}" destId="{192F652A-D357-4957-8D9F-D85EAA0444B2}" srcOrd="2" destOrd="0" parTransId="{04818E54-2E9D-43E1-92DA-0133815E64AB}" sibTransId="{315661C1-CA8D-4498-861D-3C12DFCD8171}"/>
+    <dgm:cxn modelId="{BCCCA455-1644-4881-AC4E-309463A07725}" type="presOf" srcId="{17B344C9-1EA7-4B0E-9A55-965A7BDFBDDA}" destId="{CA82FE43-1792-492D-8F06-B0425C810782}" srcOrd="0" destOrd="0" presId="urn:microsoft.com/office/officeart/2005/8/layout/list1"/>
+    <dgm:cxn modelId="{7DD09E1E-AEC3-4D0A-8079-D772F50E0400}" srcId="{A69E0D51-9C4B-410E-AE93-83AC8ED2BA0E}" destId="{17B344C9-1EA7-4B0E-9A55-965A7BDFBDDA}" srcOrd="1" destOrd="0" parTransId="{36D69C11-9F23-404A-8501-C1DA5F8A212F}" sibTransId="{263CAC44-939B-438F-B9E2-B9C18C9FAB9E}"/>
     <dgm:cxn modelId="{44DEFBA1-6A46-4714-BB48-DBB47E2A83D3}" type="presOf" srcId="{CC3F0FFD-53D4-444D-A837-B3C783A3F0FE}" destId="{C84CFA93-6B1A-4630-A81B-92424FBA79FC}" srcOrd="0" destOrd="0" presId="urn:microsoft.com/office/officeart/2005/8/layout/list1"/>
+    <dgm:cxn modelId="{69144331-ADEA-4CEC-89B1-E865FA0C4F1F}" type="presOf" srcId="{192F652A-D357-4957-8D9F-D85EAA0444B2}" destId="{C1EADC5E-0BF4-404E-852C-374ED977F30D}" srcOrd="0" destOrd="0" presId="urn:microsoft.com/office/officeart/2005/8/layout/list1"/>
+    <dgm:cxn modelId="{42B5B9CF-E996-462A-B274-1CE82BC232E7}" srcId="{A69E0D51-9C4B-410E-AE93-83AC8ED2BA0E}" destId="{CC3F0FFD-53D4-444D-A837-B3C783A3F0FE}" srcOrd="0" destOrd="0" parTransId="{58595091-DCF9-4D43-8A65-818366E999B3}" sibTransId="{DEB6DC17-DF07-450C-B89F-9FBAD350A7C7}"/>
+    <dgm:cxn modelId="{94B8F394-9DC4-4189-AEA1-C5592673F81E}" type="presOf" srcId="{192F652A-D357-4957-8D9F-D85EAA0444B2}" destId="{5512EDEA-702B-42E4-BD6E-09DF98D39EE0}" srcOrd="1" destOrd="0" presId="urn:microsoft.com/office/officeart/2005/8/layout/list1"/>
     <dgm:cxn modelId="{22BF1AD5-2C6F-451A-A1B7-73D6E5D39B25}" type="presOf" srcId="{17B344C9-1EA7-4B0E-9A55-965A7BDFBDDA}" destId="{1FAA7659-DA2C-45C2-9B93-E18148B67A95}" srcOrd="1" destOrd="0" presId="urn:microsoft.com/office/officeart/2005/8/layout/list1"/>
-    <dgm:cxn modelId="{BCCCA455-1644-4881-AC4E-309463A07725}" type="presOf" srcId="{17B344C9-1EA7-4B0E-9A55-965A7BDFBDDA}" destId="{CA82FE43-1792-492D-8F06-B0425C810782}" srcOrd="0" destOrd="0" presId="urn:microsoft.com/office/officeart/2005/8/layout/list1"/>
-    <dgm:cxn modelId="{69144331-ADEA-4CEC-89B1-E865FA0C4F1F}" type="presOf" srcId="{192F652A-D357-4957-8D9F-D85EAA0444B2}" destId="{C1EADC5E-0BF4-404E-852C-374ED977F30D}" srcOrd="0" destOrd="0" presId="urn:microsoft.com/office/officeart/2005/8/layout/list1"/>
-    <dgm:cxn modelId="{0C21136A-11D7-44FE-9037-610BE1A00F5B}" type="presOf" srcId="{CC3F0FFD-53D4-444D-A837-B3C783A3F0FE}" destId="{73F2B5C4-63D7-499F-A57A-FCFAA51B4D2E}" srcOrd="1" destOrd="0" presId="urn:microsoft.com/office/officeart/2005/8/layout/list1"/>
-    <dgm:cxn modelId="{7DD09E1E-AEC3-4D0A-8079-D772F50E0400}" srcId="{A69E0D51-9C4B-410E-AE93-83AC8ED2BA0E}" destId="{17B344C9-1EA7-4B0E-9A55-965A7BDFBDDA}" srcOrd="1" destOrd="0" parTransId="{36D69C11-9F23-404A-8501-C1DA5F8A212F}" sibTransId="{263CAC44-939B-438F-B9E2-B9C18C9FAB9E}"/>
-    <dgm:cxn modelId="{78619C2C-7A65-462B-8E97-0671F72DC2B9}" type="presOf" srcId="{A69E0D51-9C4B-410E-AE93-83AC8ED2BA0E}" destId="{6A97AB2D-BCA0-48CC-8C0D-81F9BC6BDAEF}" srcOrd="0" destOrd="0" presId="urn:microsoft.com/office/officeart/2005/8/layout/list1"/>
-    <dgm:cxn modelId="{94B8F394-9DC4-4189-AEA1-C5592673F81E}" type="presOf" srcId="{192F652A-D357-4957-8D9F-D85EAA0444B2}" destId="{5512EDEA-702B-42E4-BD6E-09DF98D39EE0}" srcOrd="1" destOrd="0" presId="urn:microsoft.com/office/officeart/2005/8/layout/list1"/>
-    <dgm:cxn modelId="{B2EDB60C-946A-4E31-B296-BFE0777E34C2}" srcId="{A69E0D51-9C4B-410E-AE93-83AC8ED2BA0E}" destId="{192F652A-D357-4957-8D9F-D85EAA0444B2}" srcOrd="2" destOrd="0" parTransId="{04818E54-2E9D-43E1-92DA-0133815E64AB}" sibTransId="{315661C1-CA8D-4498-861D-3C12DFCD8171}"/>
-    <dgm:cxn modelId="{42B5B9CF-E996-462A-B274-1CE82BC232E7}" srcId="{A69E0D51-9C4B-410E-AE93-83AC8ED2BA0E}" destId="{CC3F0FFD-53D4-444D-A837-B3C783A3F0FE}" srcOrd="0" destOrd="0" parTransId="{58595091-DCF9-4D43-8A65-818366E999B3}" sibTransId="{DEB6DC17-DF07-450C-B89F-9FBAD350A7C7}"/>
     <dgm:cxn modelId="{CCEA3C88-8EAD-47E3-B90C-78C6180923F6}" type="presParOf" srcId="{6A97AB2D-BCA0-48CC-8C0D-81F9BC6BDAEF}" destId="{26BD3A84-07B0-4DC6-B42A-1CC60094040E}" srcOrd="0" destOrd="0" presId="urn:microsoft.com/office/officeart/2005/8/layout/list1"/>
     <dgm:cxn modelId="{F4B0D95D-C97F-4387-A7FA-B8ADD89FA7EA}" type="presParOf" srcId="{26BD3A84-07B0-4DC6-B42A-1CC60094040E}" destId="{C84CFA93-6B1A-4630-A81B-92424FBA79FC}" srcOrd="0" destOrd="0" presId="urn:microsoft.com/office/officeart/2005/8/layout/list1"/>
     <dgm:cxn modelId="{7F4676C2-C095-4B48-98C0-2D581D3AD4DF}" type="presParOf" srcId="{26BD3A84-07B0-4DC6-B42A-1CC60094040E}" destId="{73F2B5C4-63D7-499F-A57A-FCFAA51B4D2E}" srcOrd="1" destOrd="0" presId="urn:microsoft.com/office/officeart/2005/8/layout/list1"/>
@@ -6673,15 +6673,15 @@
   </dgm:ptLst>
   <dgm:cxnLst>
     <dgm:cxn modelId="{39ED2E21-AAF8-4501-B4FB-88349F761DFE}" type="presOf" srcId="{192F652A-D357-4957-8D9F-D85EAA0444B2}" destId="{5512EDEA-702B-42E4-BD6E-09DF98D39EE0}" srcOrd="1" destOrd="0" presId="urn:microsoft.com/office/officeart/2005/8/layout/list1"/>
+    <dgm:cxn modelId="{DFBCB849-CEF7-4C89-A81E-CD9B48842380}" type="presOf" srcId="{17B344C9-1EA7-4B0E-9A55-965A7BDFBDDA}" destId="{CA82FE43-1792-492D-8F06-B0425C810782}" srcOrd="0" destOrd="0" presId="urn:microsoft.com/office/officeart/2005/8/layout/list1"/>
+    <dgm:cxn modelId="{7DD09E1E-AEC3-4D0A-8079-D772F50E0400}" srcId="{A69E0D51-9C4B-410E-AE93-83AC8ED2BA0E}" destId="{17B344C9-1EA7-4B0E-9A55-965A7BDFBDDA}" srcOrd="1" destOrd="0" parTransId="{36D69C11-9F23-404A-8501-C1DA5F8A212F}" sibTransId="{263CAC44-939B-438F-B9E2-B9C18C9FAB9E}"/>
+    <dgm:cxn modelId="{1836DA58-D502-4D16-AC69-03C952D8237B}" type="presOf" srcId="{CC3F0FFD-53D4-444D-A837-B3C783A3F0FE}" destId="{73F2B5C4-63D7-499F-A57A-FCFAA51B4D2E}" srcOrd="1" destOrd="0" presId="urn:microsoft.com/office/officeart/2005/8/layout/list1"/>
+    <dgm:cxn modelId="{9C092CA1-1F17-4828-A4D6-E715FAEA0034}" type="presOf" srcId="{17B344C9-1EA7-4B0E-9A55-965A7BDFBDDA}" destId="{1FAA7659-DA2C-45C2-9B93-E18148B67A95}" srcOrd="1" destOrd="0" presId="urn:microsoft.com/office/officeart/2005/8/layout/list1"/>
+    <dgm:cxn modelId="{B2EDB60C-946A-4E31-B296-BFE0777E34C2}" srcId="{A69E0D51-9C4B-410E-AE93-83AC8ED2BA0E}" destId="{192F652A-D357-4957-8D9F-D85EAA0444B2}" srcOrd="2" destOrd="0" parTransId="{04818E54-2E9D-43E1-92DA-0133815E64AB}" sibTransId="{315661C1-CA8D-4498-861D-3C12DFCD8171}"/>
+    <dgm:cxn modelId="{876AA74C-BEB2-47F9-9013-20BC8ABB709D}" type="presOf" srcId="{192F652A-D357-4957-8D9F-D85EAA0444B2}" destId="{C1EADC5E-0BF4-404E-852C-374ED977F30D}" srcOrd="0" destOrd="0" presId="urn:microsoft.com/office/officeart/2005/8/layout/list1"/>
+    <dgm:cxn modelId="{42B5B9CF-E996-462A-B274-1CE82BC232E7}" srcId="{A69E0D51-9C4B-410E-AE93-83AC8ED2BA0E}" destId="{CC3F0FFD-53D4-444D-A837-B3C783A3F0FE}" srcOrd="0" destOrd="0" parTransId="{58595091-DCF9-4D43-8A65-818366E999B3}" sibTransId="{DEB6DC17-DF07-450C-B89F-9FBAD350A7C7}"/>
     <dgm:cxn modelId="{55E92AAB-4A4C-43BE-9C4F-3994DB0ECE6C}" type="presOf" srcId="{CC3F0FFD-53D4-444D-A837-B3C783A3F0FE}" destId="{C84CFA93-6B1A-4630-A81B-92424FBA79FC}" srcOrd="0" destOrd="0" presId="urn:microsoft.com/office/officeart/2005/8/layout/list1"/>
-    <dgm:cxn modelId="{1836DA58-D502-4D16-AC69-03C952D8237B}" type="presOf" srcId="{CC3F0FFD-53D4-444D-A837-B3C783A3F0FE}" destId="{73F2B5C4-63D7-499F-A57A-FCFAA51B4D2E}" srcOrd="1" destOrd="0" presId="urn:microsoft.com/office/officeart/2005/8/layout/list1"/>
-    <dgm:cxn modelId="{DFBCB849-CEF7-4C89-A81E-CD9B48842380}" type="presOf" srcId="{17B344C9-1EA7-4B0E-9A55-965A7BDFBDDA}" destId="{CA82FE43-1792-492D-8F06-B0425C810782}" srcOrd="0" destOrd="0" presId="urn:microsoft.com/office/officeart/2005/8/layout/list1"/>
-    <dgm:cxn modelId="{B2EDB60C-946A-4E31-B296-BFE0777E34C2}" srcId="{A69E0D51-9C4B-410E-AE93-83AC8ED2BA0E}" destId="{192F652A-D357-4957-8D9F-D85EAA0444B2}" srcOrd="2" destOrd="0" parTransId="{04818E54-2E9D-43E1-92DA-0133815E64AB}" sibTransId="{315661C1-CA8D-4498-861D-3C12DFCD8171}"/>
     <dgm:cxn modelId="{4C091159-2636-4C9D-98C9-460E057CF37E}" type="presOf" srcId="{A69E0D51-9C4B-410E-AE93-83AC8ED2BA0E}" destId="{6A97AB2D-BCA0-48CC-8C0D-81F9BC6BDAEF}" srcOrd="0" destOrd="0" presId="urn:microsoft.com/office/officeart/2005/8/layout/list1"/>
-    <dgm:cxn modelId="{876AA74C-BEB2-47F9-9013-20BC8ABB709D}" type="presOf" srcId="{192F652A-D357-4957-8D9F-D85EAA0444B2}" destId="{C1EADC5E-0BF4-404E-852C-374ED977F30D}" srcOrd="0" destOrd="0" presId="urn:microsoft.com/office/officeart/2005/8/layout/list1"/>
-    <dgm:cxn modelId="{7DD09E1E-AEC3-4D0A-8079-D772F50E0400}" srcId="{A69E0D51-9C4B-410E-AE93-83AC8ED2BA0E}" destId="{17B344C9-1EA7-4B0E-9A55-965A7BDFBDDA}" srcOrd="1" destOrd="0" parTransId="{36D69C11-9F23-404A-8501-C1DA5F8A212F}" sibTransId="{263CAC44-939B-438F-B9E2-B9C18C9FAB9E}"/>
-    <dgm:cxn modelId="{42B5B9CF-E996-462A-B274-1CE82BC232E7}" srcId="{A69E0D51-9C4B-410E-AE93-83AC8ED2BA0E}" destId="{CC3F0FFD-53D4-444D-A837-B3C783A3F0FE}" srcOrd="0" destOrd="0" parTransId="{58595091-DCF9-4D43-8A65-818366E999B3}" sibTransId="{DEB6DC17-DF07-450C-B89F-9FBAD350A7C7}"/>
-    <dgm:cxn modelId="{9C092CA1-1F17-4828-A4D6-E715FAEA0034}" type="presOf" srcId="{17B344C9-1EA7-4B0E-9A55-965A7BDFBDDA}" destId="{1FAA7659-DA2C-45C2-9B93-E18148B67A95}" srcOrd="1" destOrd="0" presId="urn:microsoft.com/office/officeart/2005/8/layout/list1"/>
     <dgm:cxn modelId="{4947B983-2646-4457-A088-5F75A133292D}" type="presParOf" srcId="{6A97AB2D-BCA0-48CC-8C0D-81F9BC6BDAEF}" destId="{26BD3A84-07B0-4DC6-B42A-1CC60094040E}" srcOrd="0" destOrd="0" presId="urn:microsoft.com/office/officeart/2005/8/layout/list1"/>
     <dgm:cxn modelId="{6CC5D288-65B4-4691-AC52-09E86FF16725}" type="presParOf" srcId="{26BD3A84-07B0-4DC6-B42A-1CC60094040E}" destId="{C84CFA93-6B1A-4630-A81B-92424FBA79FC}" srcOrd="0" destOrd="0" presId="urn:microsoft.com/office/officeart/2005/8/layout/list1"/>
     <dgm:cxn modelId="{A082166A-436D-4FF3-84EA-B635F012FB68}" type="presParOf" srcId="{26BD3A84-07B0-4DC6-B42A-1CC60094040E}" destId="{73F2B5C4-63D7-499F-A57A-FCFAA51B4D2E}" srcOrd="1" destOrd="0" presId="urn:microsoft.com/office/officeart/2005/8/layout/list1"/>
@@ -7898,460 +7898,6 @@
       <dsp:cNvGrpSpPr/>
     </dsp:nvGrpSpPr>
     <dsp:grpSpPr/>
-    <dsp:sp modelId="{F8B5A51D-9D03-4778-B1E7-6862BD53EAC1}">
-      <dsp:nvSpPr>
-        <dsp:cNvPr id="0" name=""/>
-        <dsp:cNvSpPr/>
-      </dsp:nvSpPr>
-      <dsp:spPr>
-        <a:xfrm>
-          <a:off x="0" y="778478"/>
-          <a:ext cx="8229600" cy="705600"/>
-        </a:xfrm>
-        <a:prstGeom prst="rect">
-          <a:avLst/>
-        </a:prstGeom>
-        <a:solidFill>
-          <a:schemeClr val="lt1">
-            <a:alpha val="90000"/>
-            <a:hueOff val="0"/>
-            <a:satOff val="0"/>
-            <a:lumOff val="0"/>
-            <a:alphaOff val="0"/>
-          </a:schemeClr>
-        </a:solidFill>
-        <a:ln w="25400" cap="flat" cmpd="sng" algn="ctr">
-          <a:solidFill>
-            <a:schemeClr val="accent1">
-              <a:hueOff val="0"/>
-              <a:satOff val="0"/>
-              <a:lumOff val="0"/>
-              <a:alphaOff val="0"/>
-            </a:schemeClr>
-          </a:solidFill>
-          <a:prstDash val="solid"/>
-        </a:ln>
-        <a:effectLst/>
-      </dsp:spPr>
-      <dsp:style>
-        <a:lnRef idx="2">
-          <a:scrgbClr r="0" g="0" b="0"/>
-        </a:lnRef>
-        <a:fillRef idx="1">
-          <a:scrgbClr r="0" g="0" b="0"/>
-        </a:fillRef>
-        <a:effectRef idx="0">
-          <a:scrgbClr r="0" g="0" b="0"/>
-        </a:effectRef>
-        <a:fontRef idx="minor"/>
-      </dsp:style>
-    </dsp:sp>
-    <dsp:sp modelId="{73F2B5C4-63D7-499F-A57A-FCFAA51B4D2E}">
-      <dsp:nvSpPr>
-        <dsp:cNvPr id="0" name=""/>
-        <dsp:cNvSpPr/>
-      </dsp:nvSpPr>
-      <dsp:spPr>
-        <a:xfrm>
-          <a:off x="411480" y="365198"/>
-          <a:ext cx="5760720" cy="826560"/>
-        </a:xfrm>
-        <a:prstGeom prst="roundRect">
-          <a:avLst/>
-        </a:prstGeom>
-        <a:solidFill>
-          <a:schemeClr val="accent1">
-            <a:hueOff val="0"/>
-            <a:satOff val="0"/>
-            <a:lumOff val="0"/>
-            <a:alphaOff val="0"/>
-          </a:schemeClr>
-        </a:solidFill>
-        <a:ln w="25400" cap="flat" cmpd="sng" algn="ctr">
-          <a:solidFill>
-            <a:schemeClr val="lt1">
-              <a:hueOff val="0"/>
-              <a:satOff val="0"/>
-              <a:lumOff val="0"/>
-              <a:alphaOff val="0"/>
-            </a:schemeClr>
-          </a:solidFill>
-          <a:prstDash val="solid"/>
-        </a:ln>
-        <a:effectLst/>
-      </dsp:spPr>
-      <dsp:style>
-        <a:lnRef idx="2">
-          <a:scrgbClr r="0" g="0" b="0"/>
-        </a:lnRef>
-        <a:fillRef idx="1">
-          <a:scrgbClr r="0" g="0" b="0"/>
-        </a:fillRef>
-        <a:effectRef idx="0">
-          <a:scrgbClr r="0" g="0" b="0"/>
-        </a:effectRef>
-        <a:fontRef idx="minor">
-          <a:schemeClr val="lt1"/>
-        </a:fontRef>
-      </dsp:style>
-      <dsp:txBody>
-        <a:bodyPr spcFirstLastPara="0" vert="horz" wrap="square" lIns="217742" tIns="0" rIns="217742" bIns="0" numCol="1" spcCol="1270" anchor="ctr" anchorCtr="0">
-          <a:noAutofit/>
-        </a:bodyPr>
-        <a:lstStyle/>
-        <a:p>
-          <a:pPr lvl="0" algn="l" defTabSz="1244600">
-            <a:lnSpc>
-              <a:spcPct val="90000"/>
-            </a:lnSpc>
-            <a:spcBef>
-              <a:spcPct val="0"/>
-            </a:spcBef>
-            <a:spcAft>
-              <a:spcPct val="35000"/>
-            </a:spcAft>
-          </a:pPr>
-          <a:r>
-            <a:rPr lang="en-US" sz="2800" kern="1200" dirty="0" err="1" smtClean="0"/>
-            <a:t>Tổng</a:t>
-          </a:r>
-          <a:r>
-            <a:rPr lang="en-US" sz="2800" kern="1200" dirty="0" smtClean="0"/>
-            <a:t> </a:t>
-          </a:r>
-          <a:r>
-            <a:rPr lang="en-US" sz="2800" kern="1200" dirty="0" err="1" smtClean="0"/>
-            <a:t>quan</a:t>
-          </a:r>
-          <a:r>
-            <a:rPr lang="en-US" sz="2800" kern="1200" dirty="0" smtClean="0"/>
-            <a:t> </a:t>
-          </a:r>
-          <a:r>
-            <a:rPr lang="en-US" sz="2800" kern="1200" dirty="0" err="1" smtClean="0"/>
-            <a:t>về</a:t>
-          </a:r>
-          <a:r>
-            <a:rPr lang="en-US" sz="2800" kern="1200" dirty="0" smtClean="0"/>
-            <a:t> Facebook API</a:t>
-          </a:r>
-          <a:endParaRPr lang="en-US" sz="2800" kern="1200" dirty="0"/>
-        </a:p>
-      </dsp:txBody>
-      <dsp:txXfrm>
-        <a:off x="451829" y="405547"/>
-        <a:ext cx="5680022" cy="745862"/>
-      </dsp:txXfrm>
-    </dsp:sp>
-    <dsp:sp modelId="{670DF621-8A98-4C48-9B90-D77D43BAB672}">
-      <dsp:nvSpPr>
-        <dsp:cNvPr id="0" name=""/>
-        <dsp:cNvSpPr/>
-      </dsp:nvSpPr>
-      <dsp:spPr>
-        <a:xfrm>
-          <a:off x="0" y="2048558"/>
-          <a:ext cx="8229600" cy="705600"/>
-        </a:xfrm>
-        <a:prstGeom prst="rect">
-          <a:avLst/>
-        </a:prstGeom>
-        <a:solidFill>
-          <a:schemeClr val="lt1">
-            <a:alpha val="90000"/>
-            <a:hueOff val="0"/>
-            <a:satOff val="0"/>
-            <a:lumOff val="0"/>
-            <a:alphaOff val="0"/>
-          </a:schemeClr>
-        </a:solidFill>
-        <a:ln w="25400" cap="flat" cmpd="sng" algn="ctr">
-          <a:solidFill>
-            <a:schemeClr val="accent1">
-              <a:hueOff val="0"/>
-              <a:satOff val="0"/>
-              <a:lumOff val="0"/>
-              <a:alphaOff val="0"/>
-            </a:schemeClr>
-          </a:solidFill>
-          <a:prstDash val="solid"/>
-        </a:ln>
-        <a:effectLst/>
-      </dsp:spPr>
-      <dsp:style>
-        <a:lnRef idx="2">
-          <a:scrgbClr r="0" g="0" b="0"/>
-        </a:lnRef>
-        <a:fillRef idx="1">
-          <a:scrgbClr r="0" g="0" b="0"/>
-        </a:fillRef>
-        <a:effectRef idx="0">
-          <a:scrgbClr r="0" g="0" b="0"/>
-        </a:effectRef>
-        <a:fontRef idx="minor"/>
-      </dsp:style>
-    </dsp:sp>
-    <dsp:sp modelId="{1FAA7659-DA2C-45C2-9B93-E18148B67A95}">
-      <dsp:nvSpPr>
-        <dsp:cNvPr id="0" name=""/>
-        <dsp:cNvSpPr/>
-      </dsp:nvSpPr>
-      <dsp:spPr>
-        <a:xfrm>
-          <a:off x="411480" y="1635278"/>
-          <a:ext cx="5760720" cy="826560"/>
-        </a:xfrm>
-        <a:prstGeom prst="roundRect">
-          <a:avLst/>
-        </a:prstGeom>
-        <a:solidFill>
-          <a:schemeClr val="tx2"/>
-        </a:solidFill>
-        <a:ln w="25400" cap="flat" cmpd="sng" algn="ctr">
-          <a:solidFill>
-            <a:schemeClr val="lt1">
-              <a:hueOff val="0"/>
-              <a:satOff val="0"/>
-              <a:lumOff val="0"/>
-              <a:alphaOff val="0"/>
-            </a:schemeClr>
-          </a:solidFill>
-          <a:prstDash val="solid"/>
-        </a:ln>
-        <a:effectLst/>
-      </dsp:spPr>
-      <dsp:style>
-        <a:lnRef idx="2">
-          <a:scrgbClr r="0" g="0" b="0"/>
-        </a:lnRef>
-        <a:fillRef idx="1">
-          <a:scrgbClr r="0" g="0" b="0"/>
-        </a:fillRef>
-        <a:effectRef idx="0">
-          <a:scrgbClr r="0" g="0" b="0"/>
-        </a:effectRef>
-        <a:fontRef idx="minor">
-          <a:schemeClr val="lt1"/>
-        </a:fontRef>
-      </dsp:style>
-      <dsp:txBody>
-        <a:bodyPr spcFirstLastPara="0" vert="horz" wrap="square" lIns="217742" tIns="0" rIns="217742" bIns="0" numCol="1" spcCol="1270" anchor="ctr" anchorCtr="0">
-          <a:noAutofit/>
-        </a:bodyPr>
-        <a:lstStyle/>
-        <a:p>
-          <a:pPr lvl="0" algn="l" defTabSz="1244600">
-            <a:lnSpc>
-              <a:spcPct val="90000"/>
-            </a:lnSpc>
-            <a:spcBef>
-              <a:spcPct val="0"/>
-            </a:spcBef>
-            <a:spcAft>
-              <a:spcPct val="35000"/>
-            </a:spcAft>
-          </a:pPr>
-          <a:r>
-            <a:rPr lang="en-US" sz="2800" kern="1200" dirty="0" err="1" smtClean="0"/>
-            <a:t>Xây</a:t>
-          </a:r>
-          <a:r>
-            <a:rPr lang="en-US" sz="2800" kern="1200" dirty="0" smtClean="0"/>
-            <a:t> </a:t>
-          </a:r>
-          <a:r>
-            <a:rPr lang="en-US" sz="2800" kern="1200" dirty="0" err="1" smtClean="0"/>
-            <a:t>dựng</a:t>
-          </a:r>
-          <a:r>
-            <a:rPr lang="en-US" sz="2800" kern="1200" dirty="0" smtClean="0"/>
-            <a:t> </a:t>
-          </a:r>
-          <a:r>
-            <a:rPr lang="en-US" sz="2800" kern="1200" dirty="0" err="1" smtClean="0"/>
-            <a:t>ứng</a:t>
-          </a:r>
-          <a:r>
-            <a:rPr lang="en-US" sz="2800" kern="1200" dirty="0" smtClean="0"/>
-            <a:t> </a:t>
-          </a:r>
-          <a:r>
-            <a:rPr lang="en-US" sz="2800" kern="1200" dirty="0" err="1" smtClean="0"/>
-            <a:t>dụng</a:t>
-          </a:r>
-          <a:r>
-            <a:rPr lang="en-US" sz="2800" kern="1200" dirty="0" smtClean="0"/>
-            <a:t> </a:t>
-          </a:r>
-          <a:r>
-            <a:rPr lang="en-US" sz="2800" kern="1200" dirty="0" err="1" smtClean="0"/>
-            <a:t>cho</a:t>
-          </a:r>
-          <a:r>
-            <a:rPr lang="en-US" sz="2800" kern="1200" dirty="0" smtClean="0"/>
-            <a:t> Facebook</a:t>
-          </a:r>
-          <a:endParaRPr lang="en-US" sz="2800" kern="1200" dirty="0"/>
-        </a:p>
-      </dsp:txBody>
-      <dsp:txXfrm>
-        <a:off x="451829" y="1675627"/>
-        <a:ext cx="5680022" cy="745862"/>
-      </dsp:txXfrm>
-    </dsp:sp>
-    <dsp:sp modelId="{47DE2512-0AA0-42C2-BC0D-7D71C4CEB2E9}">
-      <dsp:nvSpPr>
-        <dsp:cNvPr id="0" name=""/>
-        <dsp:cNvSpPr/>
-      </dsp:nvSpPr>
-      <dsp:spPr>
-        <a:xfrm>
-          <a:off x="0" y="3318638"/>
-          <a:ext cx="8229600" cy="705600"/>
-        </a:xfrm>
-        <a:prstGeom prst="rect">
-          <a:avLst/>
-        </a:prstGeom>
-        <a:solidFill>
-          <a:schemeClr val="lt1">
-            <a:alpha val="90000"/>
-            <a:hueOff val="0"/>
-            <a:satOff val="0"/>
-            <a:lumOff val="0"/>
-            <a:alphaOff val="0"/>
-          </a:schemeClr>
-        </a:solidFill>
-        <a:ln w="25400" cap="flat" cmpd="sng" algn="ctr">
-          <a:solidFill>
-            <a:schemeClr val="accent1">
-              <a:hueOff val="0"/>
-              <a:satOff val="0"/>
-              <a:lumOff val="0"/>
-              <a:alphaOff val="0"/>
-            </a:schemeClr>
-          </a:solidFill>
-          <a:prstDash val="solid"/>
-        </a:ln>
-        <a:effectLst/>
-      </dsp:spPr>
-      <dsp:style>
-        <a:lnRef idx="2">
-          <a:scrgbClr r="0" g="0" b="0"/>
-        </a:lnRef>
-        <a:fillRef idx="1">
-          <a:scrgbClr r="0" g="0" b="0"/>
-        </a:fillRef>
-        <a:effectRef idx="0">
-          <a:scrgbClr r="0" g="0" b="0"/>
-        </a:effectRef>
-        <a:fontRef idx="minor"/>
-      </dsp:style>
-    </dsp:sp>
-    <dsp:sp modelId="{5512EDEA-702B-42E4-BD6E-09DF98D39EE0}">
-      <dsp:nvSpPr>
-        <dsp:cNvPr id="0" name=""/>
-        <dsp:cNvSpPr/>
-      </dsp:nvSpPr>
-      <dsp:spPr>
-        <a:xfrm>
-          <a:off x="411480" y="2905358"/>
-          <a:ext cx="5760720" cy="826560"/>
-        </a:xfrm>
-        <a:prstGeom prst="roundRect">
-          <a:avLst/>
-        </a:prstGeom>
-        <a:solidFill>
-          <a:schemeClr val="accent1">
-            <a:hueOff val="0"/>
-            <a:satOff val="0"/>
-            <a:lumOff val="0"/>
-            <a:alphaOff val="0"/>
-          </a:schemeClr>
-        </a:solidFill>
-        <a:ln w="25400" cap="flat" cmpd="sng" algn="ctr">
-          <a:solidFill>
-            <a:schemeClr val="lt1">
-              <a:hueOff val="0"/>
-              <a:satOff val="0"/>
-              <a:lumOff val="0"/>
-              <a:alphaOff val="0"/>
-            </a:schemeClr>
-          </a:solidFill>
-          <a:prstDash val="solid"/>
-        </a:ln>
-        <a:effectLst/>
-      </dsp:spPr>
-      <dsp:style>
-        <a:lnRef idx="2">
-          <a:scrgbClr r="0" g="0" b="0"/>
-        </a:lnRef>
-        <a:fillRef idx="1">
-          <a:scrgbClr r="0" g="0" b="0"/>
-        </a:fillRef>
-        <a:effectRef idx="0">
-          <a:scrgbClr r="0" g="0" b="0"/>
-        </a:effectRef>
-        <a:fontRef idx="minor">
-          <a:schemeClr val="lt1"/>
-        </a:fontRef>
-      </dsp:style>
-      <dsp:txBody>
-        <a:bodyPr spcFirstLastPara="0" vert="horz" wrap="square" lIns="217742" tIns="0" rIns="217742" bIns="0" numCol="1" spcCol="1270" anchor="ctr" anchorCtr="0">
-          <a:noAutofit/>
-        </a:bodyPr>
-        <a:lstStyle/>
-        <a:p>
-          <a:pPr lvl="0" algn="l" defTabSz="1244600">
-            <a:lnSpc>
-              <a:spcPct val="90000"/>
-            </a:lnSpc>
-            <a:spcBef>
-              <a:spcPct val="0"/>
-            </a:spcBef>
-            <a:spcAft>
-              <a:spcPct val="35000"/>
-            </a:spcAft>
-          </a:pPr>
-          <a:r>
-            <a:rPr lang="en-US" sz="2800" kern="1200" dirty="0" err="1" smtClean="0"/>
-            <a:t>Các</a:t>
-          </a:r>
-          <a:r>
-            <a:rPr lang="en-US" sz="2800" kern="1200" dirty="0" smtClean="0"/>
-            <a:t> </a:t>
-          </a:r>
-          <a:r>
-            <a:rPr lang="en-US" sz="2800" kern="1200" dirty="0" err="1" smtClean="0"/>
-            <a:t>phương</a:t>
-          </a:r>
-          <a:r>
-            <a:rPr lang="en-US" sz="2800" kern="1200" dirty="0" smtClean="0"/>
-            <a:t> </a:t>
-          </a:r>
-          <a:r>
-            <a:rPr lang="en-US" sz="2800" kern="1200" dirty="0" err="1" smtClean="0"/>
-            <a:t>thức</a:t>
-          </a:r>
-          <a:r>
-            <a:rPr lang="en-US" sz="2800" kern="1200" dirty="0" smtClean="0"/>
-            <a:t> </a:t>
-          </a:r>
-          <a:r>
-            <a:rPr lang="en-US" sz="2800" kern="1200" dirty="0" err="1" smtClean="0"/>
-            <a:t>của</a:t>
-          </a:r>
-          <a:r>
-            <a:rPr lang="en-US" sz="2800" kern="1200" dirty="0" smtClean="0"/>
-            <a:t> GRAPH API</a:t>
-          </a:r>
-          <a:endParaRPr lang="en-US" sz="2800" kern="1200" dirty="0"/>
-        </a:p>
-      </dsp:txBody>
-      <dsp:txXfrm>
-        <a:off x="451829" y="2945707"/>
-        <a:ext cx="5680022" cy="745862"/>
-      </dsp:txXfrm>
-    </dsp:sp>
   </dsp:spTree>
 </dsp:drawing>
 </file>
@@ -8364,272 +7910,6 @@
       <dsp:cNvGrpSpPr/>
     </dsp:nvGrpSpPr>
     <dsp:grpSpPr/>
-    <dsp:sp modelId="{8D26716A-DE1B-49FB-B821-4DC425E9AE42}">
-      <dsp:nvSpPr>
-        <dsp:cNvPr id="0" name=""/>
-        <dsp:cNvSpPr/>
-      </dsp:nvSpPr>
-      <dsp:spPr>
-        <a:xfrm>
-          <a:off x="617219" y="0"/>
-          <a:ext cx="6995160" cy="4389120"/>
-        </a:xfrm>
-        <a:prstGeom prst="rightArrow">
-          <a:avLst/>
-        </a:prstGeom>
-        <a:solidFill>
-          <a:schemeClr val="accent1">
-            <a:tint val="40000"/>
-            <a:hueOff val="0"/>
-            <a:satOff val="0"/>
-            <a:lumOff val="0"/>
-            <a:alphaOff val="0"/>
-          </a:schemeClr>
-        </a:solidFill>
-        <a:ln>
-          <a:noFill/>
-        </a:ln>
-        <a:effectLst/>
-      </dsp:spPr>
-      <dsp:style>
-        <a:lnRef idx="0">
-          <a:scrgbClr r="0" g="0" b="0"/>
-        </a:lnRef>
-        <a:fillRef idx="1">
-          <a:scrgbClr r="0" g="0" b="0"/>
-        </a:fillRef>
-        <a:effectRef idx="0">
-          <a:scrgbClr r="0" g="0" b="0"/>
-        </a:effectRef>
-        <a:fontRef idx="minor"/>
-      </dsp:style>
-    </dsp:sp>
-    <dsp:sp modelId="{4A64C5AE-4C23-49B6-A008-27C58F726961}">
-      <dsp:nvSpPr>
-        <dsp:cNvPr id="0" name=""/>
-        <dsp:cNvSpPr/>
-      </dsp:nvSpPr>
-      <dsp:spPr>
-        <a:xfrm>
-          <a:off x="100" y="1316736"/>
-          <a:ext cx="4014341" cy="1755648"/>
-        </a:xfrm>
-        <a:prstGeom prst="roundRect">
-          <a:avLst/>
-        </a:prstGeom>
-        <a:solidFill>
-          <a:schemeClr val="accent1">
-            <a:hueOff val="0"/>
-            <a:satOff val="0"/>
-            <a:lumOff val="0"/>
-            <a:alphaOff val="0"/>
-          </a:schemeClr>
-        </a:solidFill>
-        <a:ln w="25400" cap="flat" cmpd="sng" algn="ctr">
-          <a:solidFill>
-            <a:schemeClr val="lt1">
-              <a:hueOff val="0"/>
-              <a:satOff val="0"/>
-              <a:lumOff val="0"/>
-              <a:alphaOff val="0"/>
-            </a:schemeClr>
-          </a:solidFill>
-          <a:prstDash val="solid"/>
-        </a:ln>
-        <a:effectLst/>
-      </dsp:spPr>
-      <dsp:style>
-        <a:lnRef idx="2">
-          <a:scrgbClr r="0" g="0" b="0"/>
-        </a:lnRef>
-        <a:fillRef idx="1">
-          <a:scrgbClr r="0" g="0" b="0"/>
-        </a:fillRef>
-        <a:effectRef idx="0">
-          <a:scrgbClr r="0" g="0" b="0"/>
-        </a:effectRef>
-        <a:fontRef idx="minor">
-          <a:schemeClr val="lt1"/>
-        </a:fontRef>
-      </dsp:style>
-      <dsp:txBody>
-        <a:bodyPr spcFirstLastPara="0" vert="horz" wrap="square" lIns="125730" tIns="125730" rIns="125730" bIns="125730" numCol="1" spcCol="1270" anchor="ctr" anchorCtr="0">
-          <a:noAutofit/>
-        </a:bodyPr>
-        <a:lstStyle/>
-        <a:p>
-          <a:pPr lvl="0" algn="ctr" defTabSz="1466850" rtl="0">
-            <a:lnSpc>
-              <a:spcPct val="90000"/>
-            </a:lnSpc>
-            <a:spcBef>
-              <a:spcPct val="0"/>
-            </a:spcBef>
-            <a:spcAft>
-              <a:spcPct val="35000"/>
-            </a:spcAft>
-          </a:pPr>
-          <a:r>
-            <a:rPr lang="en-US" sz="3300" kern="1200" dirty="0" err="1" smtClean="0"/>
-            <a:t>Đăng</a:t>
-          </a:r>
-          <a:r>
-            <a:rPr lang="en-US" sz="3300" kern="1200" dirty="0" smtClean="0"/>
-            <a:t> </a:t>
-          </a:r>
-          <a:r>
-            <a:rPr lang="en-US" sz="3300" kern="1200" dirty="0" err="1" smtClean="0"/>
-            <a:t>ký</a:t>
-          </a:r>
-          <a:r>
-            <a:rPr lang="en-US" sz="3300" kern="1200" dirty="0" smtClean="0"/>
-            <a:t> </a:t>
-          </a:r>
-          <a:r>
-            <a:rPr lang="en-US" sz="3300" kern="1200" dirty="0" err="1" smtClean="0"/>
-            <a:t>ứng</a:t>
-          </a:r>
-          <a:r>
-            <a:rPr lang="en-US" sz="3300" kern="1200" dirty="0" smtClean="0"/>
-            <a:t> </a:t>
-          </a:r>
-          <a:r>
-            <a:rPr lang="en-US" sz="3300" kern="1200" dirty="0" err="1" smtClean="0"/>
-            <a:t>dụng</a:t>
-          </a:r>
-          <a:r>
-            <a:rPr lang="en-US" sz="3300" kern="1200" dirty="0" smtClean="0"/>
-            <a:t> </a:t>
-          </a:r>
-          <a:r>
-            <a:rPr lang="en-US" sz="3300" kern="1200" dirty="0" err="1" smtClean="0"/>
-            <a:t>với</a:t>
-          </a:r>
-          <a:r>
-            <a:rPr lang="en-US" sz="3300" kern="1200" dirty="0" smtClean="0"/>
-            <a:t> Facebook Apps</a:t>
-          </a:r>
-          <a:endParaRPr lang="en-US" sz="3300" kern="1200" dirty="0"/>
-        </a:p>
-      </dsp:txBody>
-      <dsp:txXfrm>
-        <a:off x="85804" y="1402440"/>
-        <a:ext cx="3842933" cy="1584240"/>
-      </dsp:txXfrm>
-    </dsp:sp>
-    <dsp:sp modelId="{899128D6-298D-451E-80D1-7ECCAE5041F9}">
-      <dsp:nvSpPr>
-        <dsp:cNvPr id="0" name=""/>
-        <dsp:cNvSpPr/>
-      </dsp:nvSpPr>
-      <dsp:spPr>
-        <a:xfrm>
-          <a:off x="4215158" y="1316736"/>
-          <a:ext cx="4014341" cy="1755648"/>
-        </a:xfrm>
-        <a:prstGeom prst="roundRect">
-          <a:avLst/>
-        </a:prstGeom>
-        <a:solidFill>
-          <a:schemeClr val="accent1">
-            <a:hueOff val="0"/>
-            <a:satOff val="0"/>
-            <a:lumOff val="0"/>
-            <a:alphaOff val="0"/>
-          </a:schemeClr>
-        </a:solidFill>
-        <a:ln w="25400" cap="flat" cmpd="sng" algn="ctr">
-          <a:solidFill>
-            <a:schemeClr val="lt1">
-              <a:hueOff val="0"/>
-              <a:satOff val="0"/>
-              <a:lumOff val="0"/>
-              <a:alphaOff val="0"/>
-            </a:schemeClr>
-          </a:solidFill>
-          <a:prstDash val="solid"/>
-        </a:ln>
-        <a:effectLst/>
-      </dsp:spPr>
-      <dsp:style>
-        <a:lnRef idx="2">
-          <a:scrgbClr r="0" g="0" b="0"/>
-        </a:lnRef>
-        <a:fillRef idx="1">
-          <a:scrgbClr r="0" g="0" b="0"/>
-        </a:fillRef>
-        <a:effectRef idx="0">
-          <a:scrgbClr r="0" g="0" b="0"/>
-        </a:effectRef>
-        <a:fontRef idx="minor">
-          <a:schemeClr val="lt1"/>
-        </a:fontRef>
-      </dsp:style>
-      <dsp:txBody>
-        <a:bodyPr spcFirstLastPara="0" vert="horz" wrap="square" lIns="125730" tIns="125730" rIns="125730" bIns="125730" numCol="1" spcCol="1270" anchor="ctr" anchorCtr="0">
-          <a:noAutofit/>
-        </a:bodyPr>
-        <a:lstStyle/>
-        <a:p>
-          <a:pPr lvl="0" algn="ctr" defTabSz="1466850" rtl="0">
-            <a:lnSpc>
-              <a:spcPct val="90000"/>
-            </a:lnSpc>
-            <a:spcBef>
-              <a:spcPct val="0"/>
-            </a:spcBef>
-            <a:spcAft>
-              <a:spcPct val="35000"/>
-            </a:spcAft>
-          </a:pPr>
-          <a:r>
-            <a:rPr lang="en-US" sz="3300" kern="1200" dirty="0" err="1" smtClean="0"/>
-            <a:t>Viết</a:t>
-          </a:r>
-          <a:r>
-            <a:rPr lang="en-US" sz="3300" kern="1200" dirty="0" smtClean="0"/>
-            <a:t> </a:t>
-          </a:r>
-          <a:r>
-            <a:rPr lang="en-US" sz="3300" kern="1200" dirty="0" err="1" smtClean="0"/>
-            <a:t>ứng</a:t>
-          </a:r>
-          <a:r>
-            <a:rPr lang="en-US" sz="3300" kern="1200" dirty="0" smtClean="0"/>
-            <a:t> </a:t>
-          </a:r>
-          <a:r>
-            <a:rPr lang="en-US" sz="3300" kern="1200" dirty="0" err="1" smtClean="0"/>
-            <a:t>dụng</a:t>
-          </a:r>
-          <a:r>
-            <a:rPr lang="en-US" sz="3300" kern="1200" dirty="0" smtClean="0"/>
-            <a:t> </a:t>
-          </a:r>
-          <a:r>
-            <a:rPr lang="en-US" sz="3300" kern="1200" dirty="0" err="1" smtClean="0"/>
-            <a:t>sử</a:t>
-          </a:r>
-          <a:r>
-            <a:rPr lang="en-US" sz="3300" kern="1200" dirty="0" smtClean="0"/>
-            <a:t> </a:t>
-          </a:r>
-          <a:r>
-            <a:rPr lang="en-US" sz="3300" kern="1200" dirty="0" err="1" smtClean="0"/>
-            <a:t>dụng</a:t>
-          </a:r>
-          <a:r>
-            <a:rPr lang="en-US" sz="3300" kern="1200" dirty="0" smtClean="0"/>
-            <a:t> Facebook API</a:t>
-          </a:r>
-          <a:endParaRPr lang="en-US" sz="3300" kern="1200" dirty="0"/>
-        </a:p>
-      </dsp:txBody>
-      <dsp:txXfrm>
-        <a:off x="4300862" y="1402440"/>
-        <a:ext cx="3842933" cy="1584240"/>
-      </dsp:txXfrm>
-    </dsp:sp>
   </dsp:spTree>
 </dsp:drawing>
 </file>
@@ -8642,460 +7922,6 @@
       <dsp:cNvGrpSpPr/>
     </dsp:nvGrpSpPr>
     <dsp:grpSpPr/>
-    <dsp:sp modelId="{F8B5A51D-9D03-4778-B1E7-6862BD53EAC1}">
-      <dsp:nvSpPr>
-        <dsp:cNvPr id="0" name=""/>
-        <dsp:cNvSpPr/>
-      </dsp:nvSpPr>
-      <dsp:spPr>
-        <a:xfrm>
-          <a:off x="0" y="778478"/>
-          <a:ext cx="8229600" cy="705600"/>
-        </a:xfrm>
-        <a:prstGeom prst="rect">
-          <a:avLst/>
-        </a:prstGeom>
-        <a:solidFill>
-          <a:schemeClr val="lt1">
-            <a:alpha val="90000"/>
-            <a:hueOff val="0"/>
-            <a:satOff val="0"/>
-            <a:lumOff val="0"/>
-            <a:alphaOff val="0"/>
-          </a:schemeClr>
-        </a:solidFill>
-        <a:ln w="25400" cap="flat" cmpd="sng" algn="ctr">
-          <a:solidFill>
-            <a:schemeClr val="accent1">
-              <a:hueOff val="0"/>
-              <a:satOff val="0"/>
-              <a:lumOff val="0"/>
-              <a:alphaOff val="0"/>
-            </a:schemeClr>
-          </a:solidFill>
-          <a:prstDash val="solid"/>
-        </a:ln>
-        <a:effectLst/>
-      </dsp:spPr>
-      <dsp:style>
-        <a:lnRef idx="2">
-          <a:scrgbClr r="0" g="0" b="0"/>
-        </a:lnRef>
-        <a:fillRef idx="1">
-          <a:scrgbClr r="0" g="0" b="0"/>
-        </a:fillRef>
-        <a:effectRef idx="0">
-          <a:scrgbClr r="0" g="0" b="0"/>
-        </a:effectRef>
-        <a:fontRef idx="minor"/>
-      </dsp:style>
-    </dsp:sp>
-    <dsp:sp modelId="{73F2B5C4-63D7-499F-A57A-FCFAA51B4D2E}">
-      <dsp:nvSpPr>
-        <dsp:cNvPr id="0" name=""/>
-        <dsp:cNvSpPr/>
-      </dsp:nvSpPr>
-      <dsp:spPr>
-        <a:xfrm>
-          <a:off x="411480" y="365198"/>
-          <a:ext cx="5760720" cy="826560"/>
-        </a:xfrm>
-        <a:prstGeom prst="roundRect">
-          <a:avLst/>
-        </a:prstGeom>
-        <a:solidFill>
-          <a:schemeClr val="accent1">
-            <a:hueOff val="0"/>
-            <a:satOff val="0"/>
-            <a:lumOff val="0"/>
-            <a:alphaOff val="0"/>
-          </a:schemeClr>
-        </a:solidFill>
-        <a:ln w="25400" cap="flat" cmpd="sng" algn="ctr">
-          <a:solidFill>
-            <a:schemeClr val="lt1">
-              <a:hueOff val="0"/>
-              <a:satOff val="0"/>
-              <a:lumOff val="0"/>
-              <a:alphaOff val="0"/>
-            </a:schemeClr>
-          </a:solidFill>
-          <a:prstDash val="solid"/>
-        </a:ln>
-        <a:effectLst/>
-      </dsp:spPr>
-      <dsp:style>
-        <a:lnRef idx="2">
-          <a:scrgbClr r="0" g="0" b="0"/>
-        </a:lnRef>
-        <a:fillRef idx="1">
-          <a:scrgbClr r="0" g="0" b="0"/>
-        </a:fillRef>
-        <a:effectRef idx="0">
-          <a:scrgbClr r="0" g="0" b="0"/>
-        </a:effectRef>
-        <a:fontRef idx="minor">
-          <a:schemeClr val="lt1"/>
-        </a:fontRef>
-      </dsp:style>
-      <dsp:txBody>
-        <a:bodyPr spcFirstLastPara="0" vert="horz" wrap="square" lIns="217742" tIns="0" rIns="217742" bIns="0" numCol="1" spcCol="1270" anchor="ctr" anchorCtr="0">
-          <a:noAutofit/>
-        </a:bodyPr>
-        <a:lstStyle/>
-        <a:p>
-          <a:pPr lvl="0" algn="l" defTabSz="1244600">
-            <a:lnSpc>
-              <a:spcPct val="90000"/>
-            </a:lnSpc>
-            <a:spcBef>
-              <a:spcPct val="0"/>
-            </a:spcBef>
-            <a:spcAft>
-              <a:spcPct val="35000"/>
-            </a:spcAft>
-          </a:pPr>
-          <a:r>
-            <a:rPr lang="en-US" sz="2800" kern="1200" dirty="0" err="1" smtClean="0"/>
-            <a:t>Tổng</a:t>
-          </a:r>
-          <a:r>
-            <a:rPr lang="en-US" sz="2800" kern="1200" dirty="0" smtClean="0"/>
-            <a:t> </a:t>
-          </a:r>
-          <a:r>
-            <a:rPr lang="en-US" sz="2800" kern="1200" dirty="0" err="1" smtClean="0"/>
-            <a:t>quan</a:t>
-          </a:r>
-          <a:r>
-            <a:rPr lang="en-US" sz="2800" kern="1200" dirty="0" smtClean="0"/>
-            <a:t> </a:t>
-          </a:r>
-          <a:r>
-            <a:rPr lang="en-US" sz="2800" kern="1200" dirty="0" err="1" smtClean="0"/>
-            <a:t>về</a:t>
-          </a:r>
-          <a:r>
-            <a:rPr lang="en-US" sz="2800" kern="1200" dirty="0" smtClean="0"/>
-            <a:t> Facebook API</a:t>
-          </a:r>
-          <a:endParaRPr lang="en-US" sz="2800" kern="1200" dirty="0"/>
-        </a:p>
-      </dsp:txBody>
-      <dsp:txXfrm>
-        <a:off x="451829" y="405547"/>
-        <a:ext cx="5680022" cy="745862"/>
-      </dsp:txXfrm>
-    </dsp:sp>
-    <dsp:sp modelId="{670DF621-8A98-4C48-9B90-D77D43BAB672}">
-      <dsp:nvSpPr>
-        <dsp:cNvPr id="0" name=""/>
-        <dsp:cNvSpPr/>
-      </dsp:nvSpPr>
-      <dsp:spPr>
-        <a:xfrm>
-          <a:off x="0" y="2048558"/>
-          <a:ext cx="8229600" cy="705600"/>
-        </a:xfrm>
-        <a:prstGeom prst="rect">
-          <a:avLst/>
-        </a:prstGeom>
-        <a:solidFill>
-          <a:schemeClr val="lt1">
-            <a:alpha val="90000"/>
-            <a:hueOff val="0"/>
-            <a:satOff val="0"/>
-            <a:lumOff val="0"/>
-            <a:alphaOff val="0"/>
-          </a:schemeClr>
-        </a:solidFill>
-        <a:ln w="25400" cap="flat" cmpd="sng" algn="ctr">
-          <a:solidFill>
-            <a:schemeClr val="accent1">
-              <a:hueOff val="0"/>
-              <a:satOff val="0"/>
-              <a:lumOff val="0"/>
-              <a:alphaOff val="0"/>
-            </a:schemeClr>
-          </a:solidFill>
-          <a:prstDash val="solid"/>
-        </a:ln>
-        <a:effectLst/>
-      </dsp:spPr>
-      <dsp:style>
-        <a:lnRef idx="2">
-          <a:scrgbClr r="0" g="0" b="0"/>
-        </a:lnRef>
-        <a:fillRef idx="1">
-          <a:scrgbClr r="0" g="0" b="0"/>
-        </a:fillRef>
-        <a:effectRef idx="0">
-          <a:scrgbClr r="0" g="0" b="0"/>
-        </a:effectRef>
-        <a:fontRef idx="minor"/>
-      </dsp:style>
-    </dsp:sp>
-    <dsp:sp modelId="{1FAA7659-DA2C-45C2-9B93-E18148B67A95}">
-      <dsp:nvSpPr>
-        <dsp:cNvPr id="0" name=""/>
-        <dsp:cNvSpPr/>
-      </dsp:nvSpPr>
-      <dsp:spPr>
-        <a:xfrm>
-          <a:off x="411480" y="1635278"/>
-          <a:ext cx="5760720" cy="826560"/>
-        </a:xfrm>
-        <a:prstGeom prst="roundRect">
-          <a:avLst/>
-        </a:prstGeom>
-        <a:solidFill>
-          <a:schemeClr val="accent1">
-            <a:hueOff val="0"/>
-            <a:satOff val="0"/>
-            <a:lumOff val="0"/>
-            <a:alphaOff val="0"/>
-          </a:schemeClr>
-        </a:solidFill>
-        <a:ln w="25400" cap="flat" cmpd="sng" algn="ctr">
-          <a:solidFill>
-            <a:schemeClr val="lt1">
-              <a:hueOff val="0"/>
-              <a:satOff val="0"/>
-              <a:lumOff val="0"/>
-              <a:alphaOff val="0"/>
-            </a:schemeClr>
-          </a:solidFill>
-          <a:prstDash val="solid"/>
-        </a:ln>
-        <a:effectLst/>
-      </dsp:spPr>
-      <dsp:style>
-        <a:lnRef idx="2">
-          <a:scrgbClr r="0" g="0" b="0"/>
-        </a:lnRef>
-        <a:fillRef idx="1">
-          <a:scrgbClr r="0" g="0" b="0"/>
-        </a:fillRef>
-        <a:effectRef idx="0">
-          <a:scrgbClr r="0" g="0" b="0"/>
-        </a:effectRef>
-        <a:fontRef idx="minor">
-          <a:schemeClr val="lt1"/>
-        </a:fontRef>
-      </dsp:style>
-      <dsp:txBody>
-        <a:bodyPr spcFirstLastPara="0" vert="horz" wrap="square" lIns="217742" tIns="0" rIns="217742" bIns="0" numCol="1" spcCol="1270" anchor="ctr" anchorCtr="0">
-          <a:noAutofit/>
-        </a:bodyPr>
-        <a:lstStyle/>
-        <a:p>
-          <a:pPr lvl="0" algn="l" defTabSz="1244600">
-            <a:lnSpc>
-              <a:spcPct val="90000"/>
-            </a:lnSpc>
-            <a:spcBef>
-              <a:spcPct val="0"/>
-            </a:spcBef>
-            <a:spcAft>
-              <a:spcPct val="35000"/>
-            </a:spcAft>
-          </a:pPr>
-          <a:r>
-            <a:rPr lang="en-US" sz="2800" kern="1200" dirty="0" err="1" smtClean="0"/>
-            <a:t>Xây</a:t>
-          </a:r>
-          <a:r>
-            <a:rPr lang="en-US" sz="2800" kern="1200" dirty="0" smtClean="0"/>
-            <a:t> </a:t>
-          </a:r>
-          <a:r>
-            <a:rPr lang="en-US" sz="2800" kern="1200" dirty="0" err="1" smtClean="0"/>
-            <a:t>dựng</a:t>
-          </a:r>
-          <a:r>
-            <a:rPr lang="en-US" sz="2800" kern="1200" dirty="0" smtClean="0"/>
-            <a:t> </a:t>
-          </a:r>
-          <a:r>
-            <a:rPr lang="en-US" sz="2800" kern="1200" dirty="0" err="1" smtClean="0"/>
-            <a:t>ứng</a:t>
-          </a:r>
-          <a:r>
-            <a:rPr lang="en-US" sz="2800" kern="1200" dirty="0" smtClean="0"/>
-            <a:t> </a:t>
-          </a:r>
-          <a:r>
-            <a:rPr lang="en-US" sz="2800" kern="1200" dirty="0" err="1" smtClean="0"/>
-            <a:t>dụng</a:t>
-          </a:r>
-          <a:r>
-            <a:rPr lang="en-US" sz="2800" kern="1200" dirty="0" smtClean="0"/>
-            <a:t> </a:t>
-          </a:r>
-          <a:r>
-            <a:rPr lang="en-US" sz="2800" kern="1200" dirty="0" err="1" smtClean="0"/>
-            <a:t>cho</a:t>
-          </a:r>
-          <a:r>
-            <a:rPr lang="en-US" sz="2800" kern="1200" dirty="0" smtClean="0"/>
-            <a:t> Facebook</a:t>
-          </a:r>
-          <a:endParaRPr lang="en-US" sz="2800" kern="1200" dirty="0"/>
-        </a:p>
-      </dsp:txBody>
-      <dsp:txXfrm>
-        <a:off x="451829" y="1675627"/>
-        <a:ext cx="5680022" cy="745862"/>
-      </dsp:txXfrm>
-    </dsp:sp>
-    <dsp:sp modelId="{47DE2512-0AA0-42C2-BC0D-7D71C4CEB2E9}">
-      <dsp:nvSpPr>
-        <dsp:cNvPr id="0" name=""/>
-        <dsp:cNvSpPr/>
-      </dsp:nvSpPr>
-      <dsp:spPr>
-        <a:xfrm>
-          <a:off x="0" y="3318638"/>
-          <a:ext cx="8229600" cy="705600"/>
-        </a:xfrm>
-        <a:prstGeom prst="rect">
-          <a:avLst/>
-        </a:prstGeom>
-        <a:solidFill>
-          <a:schemeClr val="lt1">
-            <a:alpha val="90000"/>
-            <a:hueOff val="0"/>
-            <a:satOff val="0"/>
-            <a:lumOff val="0"/>
-            <a:alphaOff val="0"/>
-          </a:schemeClr>
-        </a:solidFill>
-        <a:ln w="25400" cap="flat" cmpd="sng" algn="ctr">
-          <a:solidFill>
-            <a:schemeClr val="accent1">
-              <a:hueOff val="0"/>
-              <a:satOff val="0"/>
-              <a:lumOff val="0"/>
-              <a:alphaOff val="0"/>
-            </a:schemeClr>
-          </a:solidFill>
-          <a:prstDash val="solid"/>
-        </a:ln>
-        <a:effectLst/>
-      </dsp:spPr>
-      <dsp:style>
-        <a:lnRef idx="2">
-          <a:scrgbClr r="0" g="0" b="0"/>
-        </a:lnRef>
-        <a:fillRef idx="1">
-          <a:scrgbClr r="0" g="0" b="0"/>
-        </a:fillRef>
-        <a:effectRef idx="0">
-          <a:scrgbClr r="0" g="0" b="0"/>
-        </a:effectRef>
-        <a:fontRef idx="minor"/>
-      </dsp:style>
-    </dsp:sp>
-    <dsp:sp modelId="{5512EDEA-702B-42E4-BD6E-09DF98D39EE0}">
-      <dsp:nvSpPr>
-        <dsp:cNvPr id="0" name=""/>
-        <dsp:cNvSpPr/>
-      </dsp:nvSpPr>
-      <dsp:spPr>
-        <a:xfrm>
-          <a:off x="411480" y="2905358"/>
-          <a:ext cx="5760720" cy="826560"/>
-        </a:xfrm>
-        <a:prstGeom prst="roundRect">
-          <a:avLst/>
-        </a:prstGeom>
-        <a:solidFill>
-          <a:schemeClr val="tx2"/>
-        </a:solidFill>
-        <a:ln w="25400" cap="flat" cmpd="sng" algn="ctr">
-          <a:solidFill>
-            <a:schemeClr val="lt1">
-              <a:hueOff val="0"/>
-              <a:satOff val="0"/>
-              <a:lumOff val="0"/>
-              <a:alphaOff val="0"/>
-            </a:schemeClr>
-          </a:solidFill>
-          <a:prstDash val="solid"/>
-        </a:ln>
-        <a:effectLst/>
-      </dsp:spPr>
-      <dsp:style>
-        <a:lnRef idx="2">
-          <a:scrgbClr r="0" g="0" b="0"/>
-        </a:lnRef>
-        <a:fillRef idx="1">
-          <a:scrgbClr r="0" g="0" b="0"/>
-        </a:fillRef>
-        <a:effectRef idx="0">
-          <a:scrgbClr r="0" g="0" b="0"/>
-        </a:effectRef>
-        <a:fontRef idx="minor">
-          <a:schemeClr val="lt1"/>
-        </a:fontRef>
-      </dsp:style>
-      <dsp:txBody>
-        <a:bodyPr spcFirstLastPara="0" vert="horz" wrap="square" lIns="217742" tIns="0" rIns="217742" bIns="0" numCol="1" spcCol="1270" anchor="ctr" anchorCtr="0">
-          <a:noAutofit/>
-        </a:bodyPr>
-        <a:lstStyle/>
-        <a:p>
-          <a:pPr lvl="0" algn="l" defTabSz="1244600">
-            <a:lnSpc>
-              <a:spcPct val="90000"/>
-            </a:lnSpc>
-            <a:spcBef>
-              <a:spcPct val="0"/>
-            </a:spcBef>
-            <a:spcAft>
-              <a:spcPct val="35000"/>
-            </a:spcAft>
-          </a:pPr>
-          <a:r>
-            <a:rPr lang="en-US" sz="2800" kern="1200" dirty="0" err="1" smtClean="0"/>
-            <a:t>Các</a:t>
-          </a:r>
-          <a:r>
-            <a:rPr lang="en-US" sz="2800" kern="1200" dirty="0" smtClean="0"/>
-            <a:t> </a:t>
-          </a:r>
-          <a:r>
-            <a:rPr lang="en-US" sz="2800" kern="1200" dirty="0" err="1" smtClean="0"/>
-            <a:t>phương</a:t>
-          </a:r>
-          <a:r>
-            <a:rPr lang="en-US" sz="2800" kern="1200" dirty="0" smtClean="0"/>
-            <a:t> </a:t>
-          </a:r>
-          <a:r>
-            <a:rPr lang="en-US" sz="2800" kern="1200" dirty="0" err="1" smtClean="0"/>
-            <a:t>thức</a:t>
-          </a:r>
-          <a:r>
-            <a:rPr lang="en-US" sz="2800" kern="1200" dirty="0" smtClean="0"/>
-            <a:t> </a:t>
-          </a:r>
-          <a:r>
-            <a:rPr lang="en-US" sz="2800" kern="1200" dirty="0" err="1" smtClean="0"/>
-            <a:t>của</a:t>
-          </a:r>
-          <a:r>
-            <a:rPr lang="en-US" sz="2800" kern="1200" dirty="0" smtClean="0"/>
-            <a:t> GRAPH API</a:t>
-          </a:r>
-          <a:endParaRPr lang="en-US" sz="2800" kern="1200" dirty="0"/>
-        </a:p>
-      </dsp:txBody>
-      <dsp:txXfrm>
-        <a:off x="451829" y="2945707"/>
-        <a:ext cx="5680022" cy="745862"/>
-      </dsp:txXfrm>
-    </dsp:sp>
   </dsp:spTree>
 </dsp:drawing>
 </file>
@@ -16607,7 +15433,7 @@
           <a:p>
             <a:fld id="{75ADF24F-2B8E-41E1-A035-CFE98CCDD0C7}" type="datetimeFigureOut">
               <a:rPr lang="en-US" smtClean="0"/>
-              <a:t>16/10/2012</a:t>
+              <a:t>10/16/2012</a:t>
             </a:fld>
             <a:endParaRPr lang="en-US"/>
           </a:p>
@@ -21068,7 +19894,7 @@
           <a:p>
             <a:fld id="{6679DEE9-8F60-442E-9032-9FAC5C529321}" type="datetimeFigureOut">
               <a:rPr lang="en-US" smtClean="0"/>
-              <a:t>16/10/2012</a:t>
+              <a:t>10/16/2012</a:t>
             </a:fld>
             <a:endParaRPr lang="en-US"/>
           </a:p>
@@ -21248,7 +20074,7 @@
           <a:p>
             <a:fld id="{6679DEE9-8F60-442E-9032-9FAC5C529321}" type="datetimeFigureOut">
               <a:rPr lang="en-US" smtClean="0"/>
-              <a:t>16/10/2012</a:t>
+              <a:t>10/16/2012</a:t>
             </a:fld>
             <a:endParaRPr lang="en-US"/>
           </a:p>
@@ -21438,7 +20264,7 @@
           <a:p>
             <a:fld id="{6679DEE9-8F60-442E-9032-9FAC5C529321}" type="datetimeFigureOut">
               <a:rPr lang="en-US" smtClean="0"/>
-              <a:t>16/10/2012</a:t>
+              <a:t>10/16/2012</a:t>
             </a:fld>
             <a:endParaRPr lang="en-US"/>
           </a:p>
@@ -21618,7 +20444,7 @@
           <a:p>
             <a:fld id="{6679DEE9-8F60-442E-9032-9FAC5C529321}" type="datetimeFigureOut">
               <a:rPr lang="en-US" smtClean="0"/>
-              <a:t>16/10/2012</a:t>
+              <a:t>10/16/2012</a:t>
             </a:fld>
             <a:endParaRPr lang="en-US"/>
           </a:p>
@@ -21875,7 +20701,7 @@
           <a:p>
             <a:fld id="{6679DEE9-8F60-442E-9032-9FAC5C529321}" type="datetimeFigureOut">
               <a:rPr lang="en-US" smtClean="0"/>
-              <a:t>16/10/2012</a:t>
+              <a:t>10/16/2012</a:t>
             </a:fld>
             <a:endParaRPr lang="en-US"/>
           </a:p>
@@ -22157,7 +20983,7 @@
           <a:p>
             <a:fld id="{6679DEE9-8F60-442E-9032-9FAC5C529321}" type="datetimeFigureOut">
               <a:rPr lang="en-US" smtClean="0"/>
-              <a:t>16/10/2012</a:t>
+              <a:t>10/16/2012</a:t>
             </a:fld>
             <a:endParaRPr lang="en-US"/>
           </a:p>
@@ -22559,7 +21385,7 @@
           <a:p>
             <a:fld id="{6679DEE9-8F60-442E-9032-9FAC5C529321}" type="datetimeFigureOut">
               <a:rPr lang="en-US" smtClean="0"/>
-              <a:t>16/10/2012</a:t>
+              <a:t>10/16/2012</a:t>
             </a:fld>
             <a:endParaRPr lang="en-US"/>
           </a:p>
@@ -22721,7 +21547,7 @@
           <a:p>
             <a:fld id="{6679DEE9-8F60-442E-9032-9FAC5C529321}" type="datetimeFigureOut">
               <a:rPr lang="en-US" smtClean="0"/>
-              <a:t>16/10/2012</a:t>
+              <a:t>10/16/2012</a:t>
             </a:fld>
             <a:endParaRPr lang="en-US"/>
           </a:p>
@@ -22820,7 +21646,7 @@
           <a:p>
             <a:fld id="{6679DEE9-8F60-442E-9032-9FAC5C529321}" type="datetimeFigureOut">
               <a:rPr lang="en-US" smtClean="0"/>
-              <a:t>16/10/2012</a:t>
+              <a:t>10/16/2012</a:t>
             </a:fld>
             <a:endParaRPr lang="en-US"/>
           </a:p>
@@ -23099,7 +21925,7 @@
           <a:p>
             <a:fld id="{6679DEE9-8F60-442E-9032-9FAC5C529321}" type="datetimeFigureOut">
               <a:rPr lang="en-US" smtClean="0"/>
-              <a:t>16/10/2012</a:t>
+              <a:t>10/16/2012</a:t>
             </a:fld>
             <a:endParaRPr lang="en-US"/>
           </a:p>
@@ -23410,7 +22236,7 @@
           <a:p>
             <a:fld id="{6679DEE9-8F60-442E-9032-9FAC5C529321}" type="datetimeFigureOut">
               <a:rPr lang="en-US" smtClean="0"/>
-              <a:t>16/10/2012</a:t>
+              <a:t>10/16/2012</a:t>
             </a:fld>
             <a:endParaRPr lang="en-US"/>
           </a:p>
@@ -24215,7 +23041,7 @@
           <a:p>
             <a:fld id="{6679DEE9-8F60-442E-9032-9FAC5C529321}" type="datetimeFigureOut">
               <a:rPr lang="en-US" smtClean="0"/>
-              <a:t>16/10/2012</a:t>
+              <a:t>10/16/2012</a:t>
             </a:fld>
             <a:endParaRPr lang="en-US"/>
           </a:p>
@@ -24856,22 +23682,45 @@
             </p:custDataLst>
           </p:nvPr>
         </p:nvSpPr>
-        <p:spPr/>
+        <p:spPr>
+          <a:xfrm>
+            <a:off x="762000" y="1676400"/>
+            <a:ext cx="7851648" cy="1828800"/>
+          </a:xfrm>
+        </p:spPr>
         <p:txBody>
-          <a:bodyPr/>
+          <a:bodyPr>
+            <a:normAutofit/>
+          </a:bodyPr>
           <a:lstStyle/>
           <a:p>
             <a:pPr algn="ctr"/>
             <a:r>
-              <a:rPr lang="en-US" dirty="0" smtClean="0">
-                <a:latin typeface="Arial" pitchFamily="34" charset="0"/>
-                <a:cs typeface="Arial" pitchFamily="34" charset="0"/>
-              </a:rPr>
-              <a:t>FACEBOOK API</a:t>
-            </a:r>
-            <a:endParaRPr lang="en-US" dirty="0">
-              <a:latin typeface="Arial" pitchFamily="34" charset="0"/>
-              <a:cs typeface="Arial" pitchFamily="34" charset="0"/>
+              <a:rPr lang="en-US" sz="8000" dirty="0" err="1" smtClean="0">
+                <a:solidFill>
+                  <a:schemeClr val="tx1"/>
+                </a:solidFill>
+                <a:latin typeface="Segoe UI" pitchFamily="34" charset="0"/>
+                <a:cs typeface="Segoe UI" pitchFamily="34" charset="0"/>
+              </a:rPr>
+              <a:t>facebook</a:t>
+            </a:r>
+            <a:r>
+              <a:rPr lang="en-US" sz="8000" dirty="0" smtClean="0">
+                <a:solidFill>
+                  <a:schemeClr val="tx1"/>
+                </a:solidFill>
+                <a:latin typeface="Segoe UI" pitchFamily="34" charset="0"/>
+                <a:cs typeface="Segoe UI" pitchFamily="34" charset="0"/>
+              </a:rPr>
+              <a:t> API</a:t>
+            </a:r>
+            <a:endParaRPr lang="en-US" sz="8000" dirty="0">
+              <a:solidFill>
+                <a:schemeClr val="tx1"/>
+              </a:solidFill>
+              <a:latin typeface="Segoe UI" pitchFamily="34" charset="0"/>
+              <a:cs typeface="Segoe UI" pitchFamily="34" charset="0"/>
             </a:endParaRPr>
           </a:p>
         </p:txBody>
@@ -30606,72 +29455,8 @@
           <a:lstStyle/>
           <a:p>
             <a:r>
-              <a:rPr lang="en-US" dirty="0" err="1" smtClean="0"/>
-              <a:t>Khóa</a:t>
-            </a:r>
-            <a:r>
-              <a:rPr lang="en-US" dirty="0" smtClean="0"/>
-              <a:t> </a:t>
-            </a:r>
-            <a:r>
-              <a:rPr lang="en-US" dirty="0" err="1" smtClean="0"/>
-              <a:t>luận</a:t>
-            </a:r>
-            <a:r>
-              <a:rPr lang="en-US" dirty="0" smtClean="0"/>
-              <a:t> </a:t>
-            </a:r>
-            <a:r>
-              <a:rPr lang="en-US" dirty="0" err="1" smtClean="0"/>
-              <a:t>về</a:t>
-            </a:r>
-            <a:r>
-              <a:rPr lang="en-US" dirty="0" smtClean="0"/>
-              <a:t> Facebook </a:t>
-            </a:r>
-            <a:r>
-              <a:rPr lang="en-US" dirty="0" err="1" smtClean="0"/>
-              <a:t>của</a:t>
-            </a:r>
-            <a:r>
-              <a:rPr lang="en-US" dirty="0" smtClean="0"/>
-              <a:t> </a:t>
-            </a:r>
-            <a:r>
-              <a:rPr lang="en-US" dirty="0" err="1" smtClean="0"/>
-              <a:t>sinh</a:t>
-            </a:r>
-            <a:r>
-              <a:rPr lang="en-US" dirty="0" smtClean="0"/>
-              <a:t> </a:t>
-            </a:r>
-            <a:r>
-              <a:rPr lang="en-US" dirty="0" err="1" smtClean="0"/>
-              <a:t>viên</a:t>
-            </a:r>
-            <a:r>
-              <a:rPr lang="en-US" dirty="0" smtClean="0"/>
-              <a:t> </a:t>
-            </a:r>
-            <a:r>
-              <a:rPr lang="en-US" dirty="0" err="1" smtClean="0"/>
-              <a:t>Hoàng</a:t>
-            </a:r>
-            <a:r>
-              <a:rPr lang="en-US" dirty="0" smtClean="0"/>
-              <a:t> </a:t>
-            </a:r>
-            <a:r>
-              <a:rPr lang="en-US" dirty="0" err="1" smtClean="0"/>
-              <a:t>Thị</a:t>
-            </a:r>
-            <a:r>
-              <a:rPr lang="en-US" dirty="0" smtClean="0"/>
-              <a:t> </a:t>
-            </a:r>
-            <a:r>
-              <a:rPr lang="en-US" dirty="0" err="1" smtClean="0"/>
-              <a:t>Hiền</a:t>
+              <a:rPr lang="en-US" smtClean="0"/>
+              <a:t>Internet</a:t>
             </a:r>
             <a:endParaRPr lang="en-US" dirty="0" smtClean="0"/>
           </a:p>
@@ -32810,12 +31595,16 @@
               <a:t> </a:t>
             </a:r>
             <a:r>
-              <a:rPr lang="en-US" sz="2800" u="sng" dirty="0" err="1"/>
-              <a:t>vào</a:t>
+              <a:rPr lang="en-US" sz="2800" u="sng" dirty="0" err="1" smtClean="0"/>
+              <a:t>về</a:t>
+            </a:r>
+            <a:r>
+              <a:rPr lang="en-US" sz="2800" u="sng" dirty="0" smtClean="0"/>
+              <a:t> </a:t>
             </a:r>
             <a:r>
               <a:rPr lang="en-US" sz="2800" u="sng" dirty="0"/>
-              <a:t> Graph </a:t>
+              <a:t>Graph </a:t>
             </a:r>
             <a:r>
               <a:rPr lang="en-US" sz="2800" u="sng" dirty="0" smtClean="0"/>

--- a/0912397_0912403_0912409_FacebookAPI_8.5/Slide/Facebook API.pptx
+++ b/0912397_0912403_0912409_FacebookAPI_8.5/Slide/Facebook API.pptx
@@ -7898,6 +7898,460 @@
       <dsp:cNvGrpSpPr/>
     </dsp:nvGrpSpPr>
     <dsp:grpSpPr/>
+    <dsp:sp modelId="{F8B5A51D-9D03-4778-B1E7-6862BD53EAC1}">
+      <dsp:nvSpPr>
+        <dsp:cNvPr id="0" name=""/>
+        <dsp:cNvSpPr/>
+      </dsp:nvSpPr>
+      <dsp:spPr>
+        <a:xfrm>
+          <a:off x="0" y="778478"/>
+          <a:ext cx="8229600" cy="705600"/>
+        </a:xfrm>
+        <a:prstGeom prst="rect">
+          <a:avLst/>
+        </a:prstGeom>
+        <a:solidFill>
+          <a:schemeClr val="lt1">
+            <a:alpha val="90000"/>
+            <a:hueOff val="0"/>
+            <a:satOff val="0"/>
+            <a:lumOff val="0"/>
+            <a:alphaOff val="0"/>
+          </a:schemeClr>
+        </a:solidFill>
+        <a:ln w="25400" cap="flat" cmpd="sng" algn="ctr">
+          <a:solidFill>
+            <a:schemeClr val="accent1">
+              <a:hueOff val="0"/>
+              <a:satOff val="0"/>
+              <a:lumOff val="0"/>
+              <a:alphaOff val="0"/>
+            </a:schemeClr>
+          </a:solidFill>
+          <a:prstDash val="solid"/>
+        </a:ln>
+        <a:effectLst/>
+      </dsp:spPr>
+      <dsp:style>
+        <a:lnRef idx="2">
+          <a:scrgbClr r="0" g="0" b="0"/>
+        </a:lnRef>
+        <a:fillRef idx="1">
+          <a:scrgbClr r="0" g="0" b="0"/>
+        </a:fillRef>
+        <a:effectRef idx="0">
+          <a:scrgbClr r="0" g="0" b="0"/>
+        </a:effectRef>
+        <a:fontRef idx="minor"/>
+      </dsp:style>
+    </dsp:sp>
+    <dsp:sp modelId="{73F2B5C4-63D7-499F-A57A-FCFAA51B4D2E}">
+      <dsp:nvSpPr>
+        <dsp:cNvPr id="0" name=""/>
+        <dsp:cNvSpPr/>
+      </dsp:nvSpPr>
+      <dsp:spPr>
+        <a:xfrm>
+          <a:off x="411480" y="365198"/>
+          <a:ext cx="5760720" cy="826560"/>
+        </a:xfrm>
+        <a:prstGeom prst="roundRect">
+          <a:avLst/>
+        </a:prstGeom>
+        <a:solidFill>
+          <a:schemeClr val="accent1">
+            <a:hueOff val="0"/>
+            <a:satOff val="0"/>
+            <a:lumOff val="0"/>
+            <a:alphaOff val="0"/>
+          </a:schemeClr>
+        </a:solidFill>
+        <a:ln w="25400" cap="flat" cmpd="sng" algn="ctr">
+          <a:solidFill>
+            <a:schemeClr val="lt1">
+              <a:hueOff val="0"/>
+              <a:satOff val="0"/>
+              <a:lumOff val="0"/>
+              <a:alphaOff val="0"/>
+            </a:schemeClr>
+          </a:solidFill>
+          <a:prstDash val="solid"/>
+        </a:ln>
+        <a:effectLst/>
+      </dsp:spPr>
+      <dsp:style>
+        <a:lnRef idx="2">
+          <a:scrgbClr r="0" g="0" b="0"/>
+        </a:lnRef>
+        <a:fillRef idx="1">
+          <a:scrgbClr r="0" g="0" b="0"/>
+        </a:fillRef>
+        <a:effectRef idx="0">
+          <a:scrgbClr r="0" g="0" b="0"/>
+        </a:effectRef>
+        <a:fontRef idx="minor">
+          <a:schemeClr val="lt1"/>
+        </a:fontRef>
+      </dsp:style>
+      <dsp:txBody>
+        <a:bodyPr spcFirstLastPara="0" vert="horz" wrap="square" lIns="217742" tIns="0" rIns="217742" bIns="0" numCol="1" spcCol="1270" anchor="ctr" anchorCtr="0">
+          <a:noAutofit/>
+        </a:bodyPr>
+        <a:lstStyle/>
+        <a:p>
+          <a:pPr lvl="0" algn="l" defTabSz="1244600">
+            <a:lnSpc>
+              <a:spcPct val="90000"/>
+            </a:lnSpc>
+            <a:spcBef>
+              <a:spcPct val="0"/>
+            </a:spcBef>
+            <a:spcAft>
+              <a:spcPct val="35000"/>
+            </a:spcAft>
+          </a:pPr>
+          <a:r>
+            <a:rPr lang="en-US" sz="2800" kern="1200" dirty="0" err="1" smtClean="0"/>
+            <a:t>Tổng</a:t>
+          </a:r>
+          <a:r>
+            <a:rPr lang="en-US" sz="2800" kern="1200" dirty="0" smtClean="0"/>
+            <a:t> </a:t>
+          </a:r>
+          <a:r>
+            <a:rPr lang="en-US" sz="2800" kern="1200" dirty="0" err="1" smtClean="0"/>
+            <a:t>quan</a:t>
+          </a:r>
+          <a:r>
+            <a:rPr lang="en-US" sz="2800" kern="1200" dirty="0" smtClean="0"/>
+            <a:t> </a:t>
+          </a:r>
+          <a:r>
+            <a:rPr lang="en-US" sz="2800" kern="1200" dirty="0" err="1" smtClean="0"/>
+            <a:t>về</a:t>
+          </a:r>
+          <a:r>
+            <a:rPr lang="en-US" sz="2800" kern="1200" dirty="0" smtClean="0"/>
+            <a:t> Facebook API</a:t>
+          </a:r>
+          <a:endParaRPr lang="en-US" sz="2800" kern="1200" dirty="0"/>
+        </a:p>
+      </dsp:txBody>
+      <dsp:txXfrm>
+        <a:off x="451829" y="405547"/>
+        <a:ext cx="5680022" cy="745862"/>
+      </dsp:txXfrm>
+    </dsp:sp>
+    <dsp:sp modelId="{670DF621-8A98-4C48-9B90-D77D43BAB672}">
+      <dsp:nvSpPr>
+        <dsp:cNvPr id="0" name=""/>
+        <dsp:cNvSpPr/>
+      </dsp:nvSpPr>
+      <dsp:spPr>
+        <a:xfrm>
+          <a:off x="0" y="2048558"/>
+          <a:ext cx="8229600" cy="705600"/>
+        </a:xfrm>
+        <a:prstGeom prst="rect">
+          <a:avLst/>
+        </a:prstGeom>
+        <a:solidFill>
+          <a:schemeClr val="lt1">
+            <a:alpha val="90000"/>
+            <a:hueOff val="0"/>
+            <a:satOff val="0"/>
+            <a:lumOff val="0"/>
+            <a:alphaOff val="0"/>
+          </a:schemeClr>
+        </a:solidFill>
+        <a:ln w="25400" cap="flat" cmpd="sng" algn="ctr">
+          <a:solidFill>
+            <a:schemeClr val="accent1">
+              <a:hueOff val="0"/>
+              <a:satOff val="0"/>
+              <a:lumOff val="0"/>
+              <a:alphaOff val="0"/>
+            </a:schemeClr>
+          </a:solidFill>
+          <a:prstDash val="solid"/>
+        </a:ln>
+        <a:effectLst/>
+      </dsp:spPr>
+      <dsp:style>
+        <a:lnRef idx="2">
+          <a:scrgbClr r="0" g="0" b="0"/>
+        </a:lnRef>
+        <a:fillRef idx="1">
+          <a:scrgbClr r="0" g="0" b="0"/>
+        </a:fillRef>
+        <a:effectRef idx="0">
+          <a:scrgbClr r="0" g="0" b="0"/>
+        </a:effectRef>
+        <a:fontRef idx="minor"/>
+      </dsp:style>
+    </dsp:sp>
+    <dsp:sp modelId="{1FAA7659-DA2C-45C2-9B93-E18148B67A95}">
+      <dsp:nvSpPr>
+        <dsp:cNvPr id="0" name=""/>
+        <dsp:cNvSpPr/>
+      </dsp:nvSpPr>
+      <dsp:spPr>
+        <a:xfrm>
+          <a:off x="411480" y="1635278"/>
+          <a:ext cx="5760720" cy="826560"/>
+        </a:xfrm>
+        <a:prstGeom prst="roundRect">
+          <a:avLst/>
+        </a:prstGeom>
+        <a:solidFill>
+          <a:schemeClr val="tx2"/>
+        </a:solidFill>
+        <a:ln w="25400" cap="flat" cmpd="sng" algn="ctr">
+          <a:solidFill>
+            <a:schemeClr val="lt1">
+              <a:hueOff val="0"/>
+              <a:satOff val="0"/>
+              <a:lumOff val="0"/>
+              <a:alphaOff val="0"/>
+            </a:schemeClr>
+          </a:solidFill>
+          <a:prstDash val="solid"/>
+        </a:ln>
+        <a:effectLst/>
+      </dsp:spPr>
+      <dsp:style>
+        <a:lnRef idx="2">
+          <a:scrgbClr r="0" g="0" b="0"/>
+        </a:lnRef>
+        <a:fillRef idx="1">
+          <a:scrgbClr r="0" g="0" b="0"/>
+        </a:fillRef>
+        <a:effectRef idx="0">
+          <a:scrgbClr r="0" g="0" b="0"/>
+        </a:effectRef>
+        <a:fontRef idx="minor">
+          <a:schemeClr val="lt1"/>
+        </a:fontRef>
+      </dsp:style>
+      <dsp:txBody>
+        <a:bodyPr spcFirstLastPara="0" vert="horz" wrap="square" lIns="217742" tIns="0" rIns="217742" bIns="0" numCol="1" spcCol="1270" anchor="ctr" anchorCtr="0">
+          <a:noAutofit/>
+        </a:bodyPr>
+        <a:lstStyle/>
+        <a:p>
+          <a:pPr lvl="0" algn="l" defTabSz="1244600">
+            <a:lnSpc>
+              <a:spcPct val="90000"/>
+            </a:lnSpc>
+            <a:spcBef>
+              <a:spcPct val="0"/>
+            </a:spcBef>
+            <a:spcAft>
+              <a:spcPct val="35000"/>
+            </a:spcAft>
+          </a:pPr>
+          <a:r>
+            <a:rPr lang="en-US" sz="2800" kern="1200" dirty="0" err="1" smtClean="0"/>
+            <a:t>Xây</a:t>
+          </a:r>
+          <a:r>
+            <a:rPr lang="en-US" sz="2800" kern="1200" dirty="0" smtClean="0"/>
+            <a:t> </a:t>
+          </a:r>
+          <a:r>
+            <a:rPr lang="en-US" sz="2800" kern="1200" dirty="0" err="1" smtClean="0"/>
+            <a:t>dựng</a:t>
+          </a:r>
+          <a:r>
+            <a:rPr lang="en-US" sz="2800" kern="1200" dirty="0" smtClean="0"/>
+            <a:t> </a:t>
+          </a:r>
+          <a:r>
+            <a:rPr lang="en-US" sz="2800" kern="1200" dirty="0" err="1" smtClean="0"/>
+            <a:t>ứng</a:t>
+          </a:r>
+          <a:r>
+            <a:rPr lang="en-US" sz="2800" kern="1200" dirty="0" smtClean="0"/>
+            <a:t> </a:t>
+          </a:r>
+          <a:r>
+            <a:rPr lang="en-US" sz="2800" kern="1200" dirty="0" err="1" smtClean="0"/>
+            <a:t>dụng</a:t>
+          </a:r>
+          <a:r>
+            <a:rPr lang="en-US" sz="2800" kern="1200" dirty="0" smtClean="0"/>
+            <a:t> </a:t>
+          </a:r>
+          <a:r>
+            <a:rPr lang="en-US" sz="2800" kern="1200" dirty="0" err="1" smtClean="0"/>
+            <a:t>cho</a:t>
+          </a:r>
+          <a:r>
+            <a:rPr lang="en-US" sz="2800" kern="1200" dirty="0" smtClean="0"/>
+            <a:t> Facebook</a:t>
+          </a:r>
+          <a:endParaRPr lang="en-US" sz="2800" kern="1200" dirty="0"/>
+        </a:p>
+      </dsp:txBody>
+      <dsp:txXfrm>
+        <a:off x="451829" y="1675627"/>
+        <a:ext cx="5680022" cy="745862"/>
+      </dsp:txXfrm>
+    </dsp:sp>
+    <dsp:sp modelId="{47DE2512-0AA0-42C2-BC0D-7D71C4CEB2E9}">
+      <dsp:nvSpPr>
+        <dsp:cNvPr id="0" name=""/>
+        <dsp:cNvSpPr/>
+      </dsp:nvSpPr>
+      <dsp:spPr>
+        <a:xfrm>
+          <a:off x="0" y="3318638"/>
+          <a:ext cx="8229600" cy="705600"/>
+        </a:xfrm>
+        <a:prstGeom prst="rect">
+          <a:avLst/>
+        </a:prstGeom>
+        <a:solidFill>
+          <a:schemeClr val="lt1">
+            <a:alpha val="90000"/>
+            <a:hueOff val="0"/>
+            <a:satOff val="0"/>
+            <a:lumOff val="0"/>
+            <a:alphaOff val="0"/>
+          </a:schemeClr>
+        </a:solidFill>
+        <a:ln w="25400" cap="flat" cmpd="sng" algn="ctr">
+          <a:solidFill>
+            <a:schemeClr val="accent1">
+              <a:hueOff val="0"/>
+              <a:satOff val="0"/>
+              <a:lumOff val="0"/>
+              <a:alphaOff val="0"/>
+            </a:schemeClr>
+          </a:solidFill>
+          <a:prstDash val="solid"/>
+        </a:ln>
+        <a:effectLst/>
+      </dsp:spPr>
+      <dsp:style>
+        <a:lnRef idx="2">
+          <a:scrgbClr r="0" g="0" b="0"/>
+        </a:lnRef>
+        <a:fillRef idx="1">
+          <a:scrgbClr r="0" g="0" b="0"/>
+        </a:fillRef>
+        <a:effectRef idx="0">
+          <a:scrgbClr r="0" g="0" b="0"/>
+        </a:effectRef>
+        <a:fontRef idx="minor"/>
+      </dsp:style>
+    </dsp:sp>
+    <dsp:sp modelId="{5512EDEA-702B-42E4-BD6E-09DF98D39EE0}">
+      <dsp:nvSpPr>
+        <dsp:cNvPr id="0" name=""/>
+        <dsp:cNvSpPr/>
+      </dsp:nvSpPr>
+      <dsp:spPr>
+        <a:xfrm>
+          <a:off x="411480" y="2905358"/>
+          <a:ext cx="5760720" cy="826560"/>
+        </a:xfrm>
+        <a:prstGeom prst="roundRect">
+          <a:avLst/>
+        </a:prstGeom>
+        <a:solidFill>
+          <a:schemeClr val="accent1">
+            <a:hueOff val="0"/>
+            <a:satOff val="0"/>
+            <a:lumOff val="0"/>
+            <a:alphaOff val="0"/>
+          </a:schemeClr>
+        </a:solidFill>
+        <a:ln w="25400" cap="flat" cmpd="sng" algn="ctr">
+          <a:solidFill>
+            <a:schemeClr val="lt1">
+              <a:hueOff val="0"/>
+              <a:satOff val="0"/>
+              <a:lumOff val="0"/>
+              <a:alphaOff val="0"/>
+            </a:schemeClr>
+          </a:solidFill>
+          <a:prstDash val="solid"/>
+        </a:ln>
+        <a:effectLst/>
+      </dsp:spPr>
+      <dsp:style>
+        <a:lnRef idx="2">
+          <a:scrgbClr r="0" g="0" b="0"/>
+        </a:lnRef>
+        <a:fillRef idx="1">
+          <a:scrgbClr r="0" g="0" b="0"/>
+        </a:fillRef>
+        <a:effectRef idx="0">
+          <a:scrgbClr r="0" g="0" b="0"/>
+        </a:effectRef>
+        <a:fontRef idx="minor">
+          <a:schemeClr val="lt1"/>
+        </a:fontRef>
+      </dsp:style>
+      <dsp:txBody>
+        <a:bodyPr spcFirstLastPara="0" vert="horz" wrap="square" lIns="217742" tIns="0" rIns="217742" bIns="0" numCol="1" spcCol="1270" anchor="ctr" anchorCtr="0">
+          <a:noAutofit/>
+        </a:bodyPr>
+        <a:lstStyle/>
+        <a:p>
+          <a:pPr lvl="0" algn="l" defTabSz="1244600">
+            <a:lnSpc>
+              <a:spcPct val="90000"/>
+            </a:lnSpc>
+            <a:spcBef>
+              <a:spcPct val="0"/>
+            </a:spcBef>
+            <a:spcAft>
+              <a:spcPct val="35000"/>
+            </a:spcAft>
+          </a:pPr>
+          <a:r>
+            <a:rPr lang="en-US" sz="2800" kern="1200" dirty="0" err="1" smtClean="0"/>
+            <a:t>Các</a:t>
+          </a:r>
+          <a:r>
+            <a:rPr lang="en-US" sz="2800" kern="1200" dirty="0" smtClean="0"/>
+            <a:t> </a:t>
+          </a:r>
+          <a:r>
+            <a:rPr lang="en-US" sz="2800" kern="1200" dirty="0" err="1" smtClean="0"/>
+            <a:t>phương</a:t>
+          </a:r>
+          <a:r>
+            <a:rPr lang="en-US" sz="2800" kern="1200" dirty="0" smtClean="0"/>
+            <a:t> </a:t>
+          </a:r>
+          <a:r>
+            <a:rPr lang="en-US" sz="2800" kern="1200" dirty="0" err="1" smtClean="0"/>
+            <a:t>thức</a:t>
+          </a:r>
+          <a:r>
+            <a:rPr lang="en-US" sz="2800" kern="1200" dirty="0" smtClean="0"/>
+            <a:t> </a:t>
+          </a:r>
+          <a:r>
+            <a:rPr lang="en-US" sz="2800" kern="1200" dirty="0" err="1" smtClean="0"/>
+            <a:t>của</a:t>
+          </a:r>
+          <a:r>
+            <a:rPr lang="en-US" sz="2800" kern="1200" dirty="0" smtClean="0"/>
+            <a:t> GRAPH API</a:t>
+          </a:r>
+          <a:endParaRPr lang="en-US" sz="2800" kern="1200" dirty="0"/>
+        </a:p>
+      </dsp:txBody>
+      <dsp:txXfrm>
+        <a:off x="451829" y="2945707"/>
+        <a:ext cx="5680022" cy="745862"/>
+      </dsp:txXfrm>
+    </dsp:sp>
   </dsp:spTree>
 </dsp:drawing>
 </file>
@@ -7910,6 +8364,272 @@
       <dsp:cNvGrpSpPr/>
     </dsp:nvGrpSpPr>
     <dsp:grpSpPr/>
+    <dsp:sp modelId="{8D26716A-DE1B-49FB-B821-4DC425E9AE42}">
+      <dsp:nvSpPr>
+        <dsp:cNvPr id="0" name=""/>
+        <dsp:cNvSpPr/>
+      </dsp:nvSpPr>
+      <dsp:spPr>
+        <a:xfrm>
+          <a:off x="617219" y="0"/>
+          <a:ext cx="6995160" cy="4389120"/>
+        </a:xfrm>
+        <a:prstGeom prst="rightArrow">
+          <a:avLst/>
+        </a:prstGeom>
+        <a:solidFill>
+          <a:schemeClr val="accent1">
+            <a:tint val="40000"/>
+            <a:hueOff val="0"/>
+            <a:satOff val="0"/>
+            <a:lumOff val="0"/>
+            <a:alphaOff val="0"/>
+          </a:schemeClr>
+        </a:solidFill>
+        <a:ln>
+          <a:noFill/>
+        </a:ln>
+        <a:effectLst/>
+      </dsp:spPr>
+      <dsp:style>
+        <a:lnRef idx="0">
+          <a:scrgbClr r="0" g="0" b="0"/>
+        </a:lnRef>
+        <a:fillRef idx="1">
+          <a:scrgbClr r="0" g="0" b="0"/>
+        </a:fillRef>
+        <a:effectRef idx="0">
+          <a:scrgbClr r="0" g="0" b="0"/>
+        </a:effectRef>
+        <a:fontRef idx="minor"/>
+      </dsp:style>
+    </dsp:sp>
+    <dsp:sp modelId="{4A64C5AE-4C23-49B6-A008-27C58F726961}">
+      <dsp:nvSpPr>
+        <dsp:cNvPr id="0" name=""/>
+        <dsp:cNvSpPr/>
+      </dsp:nvSpPr>
+      <dsp:spPr>
+        <a:xfrm>
+          <a:off x="100" y="1316736"/>
+          <a:ext cx="4014341" cy="1755648"/>
+        </a:xfrm>
+        <a:prstGeom prst="roundRect">
+          <a:avLst/>
+        </a:prstGeom>
+        <a:solidFill>
+          <a:schemeClr val="accent1">
+            <a:hueOff val="0"/>
+            <a:satOff val="0"/>
+            <a:lumOff val="0"/>
+            <a:alphaOff val="0"/>
+          </a:schemeClr>
+        </a:solidFill>
+        <a:ln w="25400" cap="flat" cmpd="sng" algn="ctr">
+          <a:solidFill>
+            <a:schemeClr val="lt1">
+              <a:hueOff val="0"/>
+              <a:satOff val="0"/>
+              <a:lumOff val="0"/>
+              <a:alphaOff val="0"/>
+            </a:schemeClr>
+          </a:solidFill>
+          <a:prstDash val="solid"/>
+        </a:ln>
+        <a:effectLst/>
+      </dsp:spPr>
+      <dsp:style>
+        <a:lnRef idx="2">
+          <a:scrgbClr r="0" g="0" b="0"/>
+        </a:lnRef>
+        <a:fillRef idx="1">
+          <a:scrgbClr r="0" g="0" b="0"/>
+        </a:fillRef>
+        <a:effectRef idx="0">
+          <a:scrgbClr r="0" g="0" b="0"/>
+        </a:effectRef>
+        <a:fontRef idx="minor">
+          <a:schemeClr val="lt1"/>
+        </a:fontRef>
+      </dsp:style>
+      <dsp:txBody>
+        <a:bodyPr spcFirstLastPara="0" vert="horz" wrap="square" lIns="125730" tIns="125730" rIns="125730" bIns="125730" numCol="1" spcCol="1270" anchor="ctr" anchorCtr="0">
+          <a:noAutofit/>
+        </a:bodyPr>
+        <a:lstStyle/>
+        <a:p>
+          <a:pPr lvl="0" algn="ctr" defTabSz="1466850" rtl="0">
+            <a:lnSpc>
+              <a:spcPct val="90000"/>
+            </a:lnSpc>
+            <a:spcBef>
+              <a:spcPct val="0"/>
+            </a:spcBef>
+            <a:spcAft>
+              <a:spcPct val="35000"/>
+            </a:spcAft>
+          </a:pPr>
+          <a:r>
+            <a:rPr lang="en-US" sz="3300" kern="1200" dirty="0" err="1" smtClean="0"/>
+            <a:t>Đăng</a:t>
+          </a:r>
+          <a:r>
+            <a:rPr lang="en-US" sz="3300" kern="1200" dirty="0" smtClean="0"/>
+            <a:t> </a:t>
+          </a:r>
+          <a:r>
+            <a:rPr lang="en-US" sz="3300" kern="1200" dirty="0" err="1" smtClean="0"/>
+            <a:t>ký</a:t>
+          </a:r>
+          <a:r>
+            <a:rPr lang="en-US" sz="3300" kern="1200" dirty="0" smtClean="0"/>
+            <a:t> </a:t>
+          </a:r>
+          <a:r>
+            <a:rPr lang="en-US" sz="3300" kern="1200" dirty="0" err="1" smtClean="0"/>
+            <a:t>ứng</a:t>
+          </a:r>
+          <a:r>
+            <a:rPr lang="en-US" sz="3300" kern="1200" dirty="0" smtClean="0"/>
+            <a:t> </a:t>
+          </a:r>
+          <a:r>
+            <a:rPr lang="en-US" sz="3300" kern="1200" dirty="0" err="1" smtClean="0"/>
+            <a:t>dụng</a:t>
+          </a:r>
+          <a:r>
+            <a:rPr lang="en-US" sz="3300" kern="1200" dirty="0" smtClean="0"/>
+            <a:t> </a:t>
+          </a:r>
+          <a:r>
+            <a:rPr lang="en-US" sz="3300" kern="1200" dirty="0" err="1" smtClean="0"/>
+            <a:t>với</a:t>
+          </a:r>
+          <a:r>
+            <a:rPr lang="en-US" sz="3300" kern="1200" dirty="0" smtClean="0"/>
+            <a:t> Facebook Apps</a:t>
+          </a:r>
+          <a:endParaRPr lang="en-US" sz="3300" kern="1200" dirty="0"/>
+        </a:p>
+      </dsp:txBody>
+      <dsp:txXfrm>
+        <a:off x="85804" y="1402440"/>
+        <a:ext cx="3842933" cy="1584240"/>
+      </dsp:txXfrm>
+    </dsp:sp>
+    <dsp:sp modelId="{899128D6-298D-451E-80D1-7ECCAE5041F9}">
+      <dsp:nvSpPr>
+        <dsp:cNvPr id="0" name=""/>
+        <dsp:cNvSpPr/>
+      </dsp:nvSpPr>
+      <dsp:spPr>
+        <a:xfrm>
+          <a:off x="4215158" y="1316736"/>
+          <a:ext cx="4014341" cy="1755648"/>
+        </a:xfrm>
+        <a:prstGeom prst="roundRect">
+          <a:avLst/>
+        </a:prstGeom>
+        <a:solidFill>
+          <a:schemeClr val="accent1">
+            <a:hueOff val="0"/>
+            <a:satOff val="0"/>
+            <a:lumOff val="0"/>
+            <a:alphaOff val="0"/>
+          </a:schemeClr>
+        </a:solidFill>
+        <a:ln w="25400" cap="flat" cmpd="sng" algn="ctr">
+          <a:solidFill>
+            <a:schemeClr val="lt1">
+              <a:hueOff val="0"/>
+              <a:satOff val="0"/>
+              <a:lumOff val="0"/>
+              <a:alphaOff val="0"/>
+            </a:schemeClr>
+          </a:solidFill>
+          <a:prstDash val="solid"/>
+        </a:ln>
+        <a:effectLst/>
+      </dsp:spPr>
+      <dsp:style>
+        <a:lnRef idx="2">
+          <a:scrgbClr r="0" g="0" b="0"/>
+        </a:lnRef>
+        <a:fillRef idx="1">
+          <a:scrgbClr r="0" g="0" b="0"/>
+        </a:fillRef>
+        <a:effectRef idx="0">
+          <a:scrgbClr r="0" g="0" b="0"/>
+        </a:effectRef>
+        <a:fontRef idx="minor">
+          <a:schemeClr val="lt1"/>
+        </a:fontRef>
+      </dsp:style>
+      <dsp:txBody>
+        <a:bodyPr spcFirstLastPara="0" vert="horz" wrap="square" lIns="125730" tIns="125730" rIns="125730" bIns="125730" numCol="1" spcCol="1270" anchor="ctr" anchorCtr="0">
+          <a:noAutofit/>
+        </a:bodyPr>
+        <a:lstStyle/>
+        <a:p>
+          <a:pPr lvl="0" algn="ctr" defTabSz="1466850" rtl="0">
+            <a:lnSpc>
+              <a:spcPct val="90000"/>
+            </a:lnSpc>
+            <a:spcBef>
+              <a:spcPct val="0"/>
+            </a:spcBef>
+            <a:spcAft>
+              <a:spcPct val="35000"/>
+            </a:spcAft>
+          </a:pPr>
+          <a:r>
+            <a:rPr lang="en-US" sz="3300" kern="1200" dirty="0" err="1" smtClean="0"/>
+            <a:t>Viết</a:t>
+          </a:r>
+          <a:r>
+            <a:rPr lang="en-US" sz="3300" kern="1200" dirty="0" smtClean="0"/>
+            <a:t> </a:t>
+          </a:r>
+          <a:r>
+            <a:rPr lang="en-US" sz="3300" kern="1200" dirty="0" err="1" smtClean="0"/>
+            <a:t>ứng</a:t>
+          </a:r>
+          <a:r>
+            <a:rPr lang="en-US" sz="3300" kern="1200" dirty="0" smtClean="0"/>
+            <a:t> </a:t>
+          </a:r>
+          <a:r>
+            <a:rPr lang="en-US" sz="3300" kern="1200" dirty="0" err="1" smtClean="0"/>
+            <a:t>dụng</a:t>
+          </a:r>
+          <a:r>
+            <a:rPr lang="en-US" sz="3300" kern="1200" dirty="0" smtClean="0"/>
+            <a:t> </a:t>
+          </a:r>
+          <a:r>
+            <a:rPr lang="en-US" sz="3300" kern="1200" dirty="0" err="1" smtClean="0"/>
+            <a:t>sử</a:t>
+          </a:r>
+          <a:r>
+            <a:rPr lang="en-US" sz="3300" kern="1200" dirty="0" smtClean="0"/>
+            <a:t> </a:t>
+          </a:r>
+          <a:r>
+            <a:rPr lang="en-US" sz="3300" kern="1200" dirty="0" err="1" smtClean="0"/>
+            <a:t>dụng</a:t>
+          </a:r>
+          <a:r>
+            <a:rPr lang="en-US" sz="3300" kern="1200" dirty="0" smtClean="0"/>
+            <a:t> Facebook API</a:t>
+          </a:r>
+          <a:endParaRPr lang="en-US" sz="3300" kern="1200" dirty="0"/>
+        </a:p>
+      </dsp:txBody>
+      <dsp:txXfrm>
+        <a:off x="4300862" y="1402440"/>
+        <a:ext cx="3842933" cy="1584240"/>
+      </dsp:txXfrm>
+    </dsp:sp>
   </dsp:spTree>
 </dsp:drawing>
 </file>
@@ -7922,6 +8642,460 @@
       <dsp:cNvGrpSpPr/>
     </dsp:nvGrpSpPr>
     <dsp:grpSpPr/>
+    <dsp:sp modelId="{F8B5A51D-9D03-4778-B1E7-6862BD53EAC1}">
+      <dsp:nvSpPr>
+        <dsp:cNvPr id="0" name=""/>
+        <dsp:cNvSpPr/>
+      </dsp:nvSpPr>
+      <dsp:spPr>
+        <a:xfrm>
+          <a:off x="0" y="778478"/>
+          <a:ext cx="8229600" cy="705600"/>
+        </a:xfrm>
+        <a:prstGeom prst="rect">
+          <a:avLst/>
+        </a:prstGeom>
+        <a:solidFill>
+          <a:schemeClr val="lt1">
+            <a:alpha val="90000"/>
+            <a:hueOff val="0"/>
+            <a:satOff val="0"/>
+            <a:lumOff val="0"/>
+            <a:alphaOff val="0"/>
+          </a:schemeClr>
+        </a:solidFill>
+        <a:ln w="25400" cap="flat" cmpd="sng" algn="ctr">
+          <a:solidFill>
+            <a:schemeClr val="accent1">
+              <a:hueOff val="0"/>
+              <a:satOff val="0"/>
+              <a:lumOff val="0"/>
+              <a:alphaOff val="0"/>
+            </a:schemeClr>
+          </a:solidFill>
+          <a:prstDash val="solid"/>
+        </a:ln>
+        <a:effectLst/>
+      </dsp:spPr>
+      <dsp:style>
+        <a:lnRef idx="2">
+          <a:scrgbClr r="0" g="0" b="0"/>
+        </a:lnRef>
+        <a:fillRef idx="1">
+          <a:scrgbClr r="0" g="0" b="0"/>
+        </a:fillRef>
+        <a:effectRef idx="0">
+          <a:scrgbClr r="0" g="0" b="0"/>
+        </a:effectRef>
+        <a:fontRef idx="minor"/>
+      </dsp:style>
+    </dsp:sp>
+    <dsp:sp modelId="{73F2B5C4-63D7-499F-A57A-FCFAA51B4D2E}">
+      <dsp:nvSpPr>
+        <dsp:cNvPr id="0" name=""/>
+        <dsp:cNvSpPr/>
+      </dsp:nvSpPr>
+      <dsp:spPr>
+        <a:xfrm>
+          <a:off x="411480" y="365198"/>
+          <a:ext cx="5760720" cy="826560"/>
+        </a:xfrm>
+        <a:prstGeom prst="roundRect">
+          <a:avLst/>
+        </a:prstGeom>
+        <a:solidFill>
+          <a:schemeClr val="accent1">
+            <a:hueOff val="0"/>
+            <a:satOff val="0"/>
+            <a:lumOff val="0"/>
+            <a:alphaOff val="0"/>
+          </a:schemeClr>
+        </a:solidFill>
+        <a:ln w="25400" cap="flat" cmpd="sng" algn="ctr">
+          <a:solidFill>
+            <a:schemeClr val="lt1">
+              <a:hueOff val="0"/>
+              <a:satOff val="0"/>
+              <a:lumOff val="0"/>
+              <a:alphaOff val="0"/>
+            </a:schemeClr>
+          </a:solidFill>
+          <a:prstDash val="solid"/>
+        </a:ln>
+        <a:effectLst/>
+      </dsp:spPr>
+      <dsp:style>
+        <a:lnRef idx="2">
+          <a:scrgbClr r="0" g="0" b="0"/>
+        </a:lnRef>
+        <a:fillRef idx="1">
+          <a:scrgbClr r="0" g="0" b="0"/>
+        </a:fillRef>
+        <a:effectRef idx="0">
+          <a:scrgbClr r="0" g="0" b="0"/>
+        </a:effectRef>
+        <a:fontRef idx="minor">
+          <a:schemeClr val="lt1"/>
+        </a:fontRef>
+      </dsp:style>
+      <dsp:txBody>
+        <a:bodyPr spcFirstLastPara="0" vert="horz" wrap="square" lIns="217742" tIns="0" rIns="217742" bIns="0" numCol="1" spcCol="1270" anchor="ctr" anchorCtr="0">
+          <a:noAutofit/>
+        </a:bodyPr>
+        <a:lstStyle/>
+        <a:p>
+          <a:pPr lvl="0" algn="l" defTabSz="1244600">
+            <a:lnSpc>
+              <a:spcPct val="90000"/>
+            </a:lnSpc>
+            <a:spcBef>
+              <a:spcPct val="0"/>
+            </a:spcBef>
+            <a:spcAft>
+              <a:spcPct val="35000"/>
+            </a:spcAft>
+          </a:pPr>
+          <a:r>
+            <a:rPr lang="en-US" sz="2800" kern="1200" dirty="0" err="1" smtClean="0"/>
+            <a:t>Tổng</a:t>
+          </a:r>
+          <a:r>
+            <a:rPr lang="en-US" sz="2800" kern="1200" dirty="0" smtClean="0"/>
+            <a:t> </a:t>
+          </a:r>
+          <a:r>
+            <a:rPr lang="en-US" sz="2800" kern="1200" dirty="0" err="1" smtClean="0"/>
+            <a:t>quan</a:t>
+          </a:r>
+          <a:r>
+            <a:rPr lang="en-US" sz="2800" kern="1200" dirty="0" smtClean="0"/>
+            <a:t> </a:t>
+          </a:r>
+          <a:r>
+            <a:rPr lang="en-US" sz="2800" kern="1200" dirty="0" err="1" smtClean="0"/>
+            <a:t>về</a:t>
+          </a:r>
+          <a:r>
+            <a:rPr lang="en-US" sz="2800" kern="1200" dirty="0" smtClean="0"/>
+            <a:t> Facebook API</a:t>
+          </a:r>
+          <a:endParaRPr lang="en-US" sz="2800" kern="1200" dirty="0"/>
+        </a:p>
+      </dsp:txBody>
+      <dsp:txXfrm>
+        <a:off x="451829" y="405547"/>
+        <a:ext cx="5680022" cy="745862"/>
+      </dsp:txXfrm>
+    </dsp:sp>
+    <dsp:sp modelId="{670DF621-8A98-4C48-9B90-D77D43BAB672}">
+      <dsp:nvSpPr>
+        <dsp:cNvPr id="0" name=""/>
+        <dsp:cNvSpPr/>
+      </dsp:nvSpPr>
+      <dsp:spPr>
+        <a:xfrm>
+          <a:off x="0" y="2048558"/>
+          <a:ext cx="8229600" cy="705600"/>
+        </a:xfrm>
+        <a:prstGeom prst="rect">
+          <a:avLst/>
+        </a:prstGeom>
+        <a:solidFill>
+          <a:schemeClr val="lt1">
+            <a:alpha val="90000"/>
+            <a:hueOff val="0"/>
+            <a:satOff val="0"/>
+            <a:lumOff val="0"/>
+            <a:alphaOff val="0"/>
+          </a:schemeClr>
+        </a:solidFill>
+        <a:ln w="25400" cap="flat" cmpd="sng" algn="ctr">
+          <a:solidFill>
+            <a:schemeClr val="accent1">
+              <a:hueOff val="0"/>
+              <a:satOff val="0"/>
+              <a:lumOff val="0"/>
+              <a:alphaOff val="0"/>
+            </a:schemeClr>
+          </a:solidFill>
+          <a:prstDash val="solid"/>
+        </a:ln>
+        <a:effectLst/>
+      </dsp:spPr>
+      <dsp:style>
+        <a:lnRef idx="2">
+          <a:scrgbClr r="0" g="0" b="0"/>
+        </a:lnRef>
+        <a:fillRef idx="1">
+          <a:scrgbClr r="0" g="0" b="0"/>
+        </a:fillRef>
+        <a:effectRef idx="0">
+          <a:scrgbClr r="0" g="0" b="0"/>
+        </a:effectRef>
+        <a:fontRef idx="minor"/>
+      </dsp:style>
+    </dsp:sp>
+    <dsp:sp modelId="{1FAA7659-DA2C-45C2-9B93-E18148B67A95}">
+      <dsp:nvSpPr>
+        <dsp:cNvPr id="0" name=""/>
+        <dsp:cNvSpPr/>
+      </dsp:nvSpPr>
+      <dsp:spPr>
+        <a:xfrm>
+          <a:off x="411480" y="1635278"/>
+          <a:ext cx="5760720" cy="826560"/>
+        </a:xfrm>
+        <a:prstGeom prst="roundRect">
+          <a:avLst/>
+        </a:prstGeom>
+        <a:solidFill>
+          <a:schemeClr val="accent1">
+            <a:hueOff val="0"/>
+            <a:satOff val="0"/>
+            <a:lumOff val="0"/>
+            <a:alphaOff val="0"/>
+          </a:schemeClr>
+        </a:solidFill>
+        <a:ln w="25400" cap="flat" cmpd="sng" algn="ctr">
+          <a:solidFill>
+            <a:schemeClr val="lt1">
+              <a:hueOff val="0"/>
+              <a:satOff val="0"/>
+              <a:lumOff val="0"/>
+              <a:alphaOff val="0"/>
+            </a:schemeClr>
+          </a:solidFill>
+          <a:prstDash val="solid"/>
+        </a:ln>
+        <a:effectLst/>
+      </dsp:spPr>
+      <dsp:style>
+        <a:lnRef idx="2">
+          <a:scrgbClr r="0" g="0" b="0"/>
+        </a:lnRef>
+        <a:fillRef idx="1">
+          <a:scrgbClr r="0" g="0" b="0"/>
+        </a:fillRef>
+        <a:effectRef idx="0">
+          <a:scrgbClr r="0" g="0" b="0"/>
+        </a:effectRef>
+        <a:fontRef idx="minor">
+          <a:schemeClr val="lt1"/>
+        </a:fontRef>
+      </dsp:style>
+      <dsp:txBody>
+        <a:bodyPr spcFirstLastPara="0" vert="horz" wrap="square" lIns="217742" tIns="0" rIns="217742" bIns="0" numCol="1" spcCol="1270" anchor="ctr" anchorCtr="0">
+          <a:noAutofit/>
+        </a:bodyPr>
+        <a:lstStyle/>
+        <a:p>
+          <a:pPr lvl="0" algn="l" defTabSz="1244600">
+            <a:lnSpc>
+              <a:spcPct val="90000"/>
+            </a:lnSpc>
+            <a:spcBef>
+              <a:spcPct val="0"/>
+            </a:spcBef>
+            <a:spcAft>
+              <a:spcPct val="35000"/>
+            </a:spcAft>
+          </a:pPr>
+          <a:r>
+            <a:rPr lang="en-US" sz="2800" kern="1200" dirty="0" err="1" smtClean="0"/>
+            <a:t>Xây</a:t>
+          </a:r>
+          <a:r>
+            <a:rPr lang="en-US" sz="2800" kern="1200" dirty="0" smtClean="0"/>
+            <a:t> </a:t>
+          </a:r>
+          <a:r>
+            <a:rPr lang="en-US" sz="2800" kern="1200" dirty="0" err="1" smtClean="0"/>
+            <a:t>dựng</a:t>
+          </a:r>
+          <a:r>
+            <a:rPr lang="en-US" sz="2800" kern="1200" dirty="0" smtClean="0"/>
+            <a:t> </a:t>
+          </a:r>
+          <a:r>
+            <a:rPr lang="en-US" sz="2800" kern="1200" dirty="0" err="1" smtClean="0"/>
+            <a:t>ứng</a:t>
+          </a:r>
+          <a:r>
+            <a:rPr lang="en-US" sz="2800" kern="1200" dirty="0" smtClean="0"/>
+            <a:t> </a:t>
+          </a:r>
+          <a:r>
+            <a:rPr lang="en-US" sz="2800" kern="1200" dirty="0" err="1" smtClean="0"/>
+            <a:t>dụng</a:t>
+          </a:r>
+          <a:r>
+            <a:rPr lang="en-US" sz="2800" kern="1200" dirty="0" smtClean="0"/>
+            <a:t> </a:t>
+          </a:r>
+          <a:r>
+            <a:rPr lang="en-US" sz="2800" kern="1200" dirty="0" err="1" smtClean="0"/>
+            <a:t>cho</a:t>
+          </a:r>
+          <a:r>
+            <a:rPr lang="en-US" sz="2800" kern="1200" dirty="0" smtClean="0"/>
+            <a:t> Facebook</a:t>
+          </a:r>
+          <a:endParaRPr lang="en-US" sz="2800" kern="1200" dirty="0"/>
+        </a:p>
+      </dsp:txBody>
+      <dsp:txXfrm>
+        <a:off x="451829" y="1675627"/>
+        <a:ext cx="5680022" cy="745862"/>
+      </dsp:txXfrm>
+    </dsp:sp>
+    <dsp:sp modelId="{47DE2512-0AA0-42C2-BC0D-7D71C4CEB2E9}">
+      <dsp:nvSpPr>
+        <dsp:cNvPr id="0" name=""/>
+        <dsp:cNvSpPr/>
+      </dsp:nvSpPr>
+      <dsp:spPr>
+        <a:xfrm>
+          <a:off x="0" y="3318638"/>
+          <a:ext cx="8229600" cy="705600"/>
+        </a:xfrm>
+        <a:prstGeom prst="rect">
+          <a:avLst/>
+        </a:prstGeom>
+        <a:solidFill>
+          <a:schemeClr val="lt1">
+            <a:alpha val="90000"/>
+            <a:hueOff val="0"/>
+            <a:satOff val="0"/>
+            <a:lumOff val="0"/>
+            <a:alphaOff val="0"/>
+          </a:schemeClr>
+        </a:solidFill>
+        <a:ln w="25400" cap="flat" cmpd="sng" algn="ctr">
+          <a:solidFill>
+            <a:schemeClr val="accent1">
+              <a:hueOff val="0"/>
+              <a:satOff val="0"/>
+              <a:lumOff val="0"/>
+              <a:alphaOff val="0"/>
+            </a:schemeClr>
+          </a:solidFill>
+          <a:prstDash val="solid"/>
+        </a:ln>
+        <a:effectLst/>
+      </dsp:spPr>
+      <dsp:style>
+        <a:lnRef idx="2">
+          <a:scrgbClr r="0" g="0" b="0"/>
+        </a:lnRef>
+        <a:fillRef idx="1">
+          <a:scrgbClr r="0" g="0" b="0"/>
+        </a:fillRef>
+        <a:effectRef idx="0">
+          <a:scrgbClr r="0" g="0" b="0"/>
+        </a:effectRef>
+        <a:fontRef idx="minor"/>
+      </dsp:style>
+    </dsp:sp>
+    <dsp:sp modelId="{5512EDEA-702B-42E4-BD6E-09DF98D39EE0}">
+      <dsp:nvSpPr>
+        <dsp:cNvPr id="0" name=""/>
+        <dsp:cNvSpPr/>
+      </dsp:nvSpPr>
+      <dsp:spPr>
+        <a:xfrm>
+          <a:off x="411480" y="2905358"/>
+          <a:ext cx="5760720" cy="826560"/>
+        </a:xfrm>
+        <a:prstGeom prst="roundRect">
+          <a:avLst/>
+        </a:prstGeom>
+        <a:solidFill>
+          <a:schemeClr val="tx2"/>
+        </a:solidFill>
+        <a:ln w="25400" cap="flat" cmpd="sng" algn="ctr">
+          <a:solidFill>
+            <a:schemeClr val="lt1">
+              <a:hueOff val="0"/>
+              <a:satOff val="0"/>
+              <a:lumOff val="0"/>
+              <a:alphaOff val="0"/>
+            </a:schemeClr>
+          </a:solidFill>
+          <a:prstDash val="solid"/>
+        </a:ln>
+        <a:effectLst/>
+      </dsp:spPr>
+      <dsp:style>
+        <a:lnRef idx="2">
+          <a:scrgbClr r="0" g="0" b="0"/>
+        </a:lnRef>
+        <a:fillRef idx="1">
+          <a:scrgbClr r="0" g="0" b="0"/>
+        </a:fillRef>
+        <a:effectRef idx="0">
+          <a:scrgbClr r="0" g="0" b="0"/>
+        </a:effectRef>
+        <a:fontRef idx="minor">
+          <a:schemeClr val="lt1"/>
+        </a:fontRef>
+      </dsp:style>
+      <dsp:txBody>
+        <a:bodyPr spcFirstLastPara="0" vert="horz" wrap="square" lIns="217742" tIns="0" rIns="217742" bIns="0" numCol="1" spcCol="1270" anchor="ctr" anchorCtr="0">
+          <a:noAutofit/>
+        </a:bodyPr>
+        <a:lstStyle/>
+        <a:p>
+          <a:pPr lvl="0" algn="l" defTabSz="1244600">
+            <a:lnSpc>
+              <a:spcPct val="90000"/>
+            </a:lnSpc>
+            <a:spcBef>
+              <a:spcPct val="0"/>
+            </a:spcBef>
+            <a:spcAft>
+              <a:spcPct val="35000"/>
+            </a:spcAft>
+          </a:pPr>
+          <a:r>
+            <a:rPr lang="en-US" sz="2800" kern="1200" dirty="0" err="1" smtClean="0"/>
+            <a:t>Các</a:t>
+          </a:r>
+          <a:r>
+            <a:rPr lang="en-US" sz="2800" kern="1200" dirty="0" smtClean="0"/>
+            <a:t> </a:t>
+          </a:r>
+          <a:r>
+            <a:rPr lang="en-US" sz="2800" kern="1200" dirty="0" err="1" smtClean="0"/>
+            <a:t>phương</a:t>
+          </a:r>
+          <a:r>
+            <a:rPr lang="en-US" sz="2800" kern="1200" dirty="0" smtClean="0"/>
+            <a:t> </a:t>
+          </a:r>
+          <a:r>
+            <a:rPr lang="en-US" sz="2800" kern="1200" dirty="0" err="1" smtClean="0"/>
+            <a:t>thức</a:t>
+          </a:r>
+          <a:r>
+            <a:rPr lang="en-US" sz="2800" kern="1200" dirty="0" smtClean="0"/>
+            <a:t> </a:t>
+          </a:r>
+          <a:r>
+            <a:rPr lang="en-US" sz="2800" kern="1200" dirty="0" err="1" smtClean="0"/>
+            <a:t>của</a:t>
+          </a:r>
+          <a:r>
+            <a:rPr lang="en-US" sz="2800" kern="1200" dirty="0" smtClean="0"/>
+            <a:t> GRAPH API</a:t>
+          </a:r>
+          <a:endParaRPr lang="en-US" sz="2800" kern="1200" dirty="0"/>
+        </a:p>
+      </dsp:txBody>
+      <dsp:txXfrm>
+        <a:off x="451829" y="2945707"/>
+        <a:ext cx="5680022" cy="745862"/>
+      </dsp:txXfrm>
+    </dsp:sp>
   </dsp:spTree>
 </dsp:drawing>
 </file>
@@ -31555,27 +32729,19 @@
               <a:t> </a:t>
             </a:r>
             <a:r>
-              <a:rPr lang="en-US" sz="2800" u="sng" dirty="0" err="1"/>
-              <a:t>báo</a:t>
-            </a:r>
-            <a:r>
-              <a:rPr lang="en-US" sz="2800" u="sng" dirty="0"/>
-              <a:t> </a:t>
-            </a:r>
-            <a:r>
-              <a:rPr lang="en-US" sz="2800" u="sng" dirty="0" err="1"/>
-              <a:t>cáo</a:t>
-            </a:r>
-            <a:r>
-              <a:rPr lang="en-US" sz="2800" u="sng" dirty="0"/>
-              <a:t> </a:t>
-            </a:r>
-            <a:r>
-              <a:rPr lang="en-US" sz="2800" u="sng" dirty="0" err="1"/>
+              <a:rPr lang="en-US" sz="2800" u="sng" dirty="0" err="1" smtClean="0"/>
+              <a:t>nhóm</a:t>
+            </a:r>
+            <a:r>
+              <a:rPr lang="en-US" sz="2800" u="sng" dirty="0" smtClean="0"/>
+              <a:t> </a:t>
+            </a:r>
+            <a:r>
+              <a:rPr lang="en-US" sz="2800" u="sng" dirty="0" err="1" smtClean="0"/>
               <a:t>sẽ</a:t>
             </a:r>
             <a:r>
-              <a:rPr lang="en-US" sz="2800" u="sng" dirty="0"/>
+              <a:rPr lang="en-US" sz="2800" u="sng" dirty="0" smtClean="0"/>
               <a:t> </a:t>
             </a:r>
             <a:r>
